--- a/Assets/5_images/chronospace_logo.pptx
+++ b/Assets/5_images/chronospace_logo.pptx
@@ -1,22 +1,22 @@
 
 <file path=ppt/presentation.xml><?xml version="1.0" encoding="utf-8"?>
-<p:presentation xmlns:r="http://schemas.openxmlformats.org/officeDocument/2006/relationships" xmlns:c="http://schemas.openxmlformats.org/drawingml/2006/chart" xmlns:a="http://schemas.openxmlformats.org/drawingml/2006/main" xmlns:dgm="http://schemas.openxmlformats.org/drawingml/2006/diagram" xmlns:dsp="http://schemas.microsoft.com/office/drawing/2008/diagram" xmlns:p="http://schemas.openxmlformats.org/presentationml/2006/main">
+<p:presentation xmlns:a="http://schemas.openxmlformats.org/drawingml/2006/main" xmlns:r="http://schemas.openxmlformats.org/officeDocument/2006/relationships" xmlns:p="http://schemas.openxmlformats.org/presentationml/2006/main">
   <p:sldMasterIdLst>
     <p:sldMasterId id="2147483695" r:id="rId1"/>
   </p:sldMasterIdLst>
   <p:notesMasterIdLst>
-    <p:notesMasterId r:id="rId2"/>
+    <p:notesMasterId r:id="rId11"/>
   </p:notesMasterIdLst>
   <p:sldIdLst>
-    <p:sldId id="263" r:id="rId3"/>
-    <p:sldId id="264" r:id="rId4"/>
-    <p:sldId id="265" r:id="rId5"/>
-    <p:sldId id="266" r:id="rId6"/>
-    <p:sldId id="268" r:id="rId7"/>
-    <p:sldId id="271" r:id="rId8"/>
-    <p:sldId id="270" r:id="rId9"/>
-    <p:sldId id="269" r:id="rId10"/>
-    <p:sldId id="267" r:id="rId11"/>
+    <p:sldId id="263" r:id="rId2"/>
+    <p:sldId id="264" r:id="rId3"/>
+    <p:sldId id="265" r:id="rId4"/>
+    <p:sldId id="266" r:id="rId5"/>
+    <p:sldId id="268" r:id="rId6"/>
+    <p:sldId id="271" r:id="rId7"/>
+    <p:sldId id="270" r:id="rId8"/>
+    <p:sldId id="269" r:id="rId9"/>
+    <p:sldId id="267" r:id="rId10"/>
   </p:sldIdLst>
   <p:sldSz cx="12192000" cy="9144000"/>
   <p:notesSz cx="6858000" cy="9144000"/>
@@ -115,11 +115,27 @@
       </a:defRPr>
     </a:lvl9pPr>
   </p:defaultTextStyle>
+  <p:extLst>
+    <p:ext uri="{EFAFB233-063F-42B5-8137-9DF3F51BA10A}">
+      <p15:sldGuideLst xmlns:p15="http://schemas.microsoft.com/office/powerpoint/2012/main">
+        <p15:guide id="1" orient="horz" pos="2860">
+          <p15:clr>
+            <a:srgbClr val="A4A3A4"/>
+          </p15:clr>
+        </p15:guide>
+        <p15:guide id="2" pos="3819">
+          <p15:clr>
+            <a:srgbClr val="A4A3A4"/>
+          </p15:clr>
+        </p15:guide>
+      </p15:sldGuideLst>
+    </p:ext>
+  </p:extLst>
 </p:presentation>
 </file>
 
 <file path=ppt/notesMasters/notesMaster1.xml><?xml version="1.0" encoding="utf-8"?>
-<p:notesMaster xmlns:r="http://schemas.openxmlformats.org/officeDocument/2006/relationships" xmlns:c="http://schemas.openxmlformats.org/drawingml/2006/chart" xmlns:a="http://schemas.openxmlformats.org/drawingml/2006/main" xmlns:dgm="http://schemas.openxmlformats.org/drawingml/2006/diagram" xmlns:dsp="http://schemas.microsoft.com/office/drawing/2008/diagram" xmlns:p="http://schemas.openxmlformats.org/presentationml/2006/main">
+<p:notesMaster xmlns:a="http://schemas.openxmlformats.org/drawingml/2006/main" xmlns:r="http://schemas.openxmlformats.org/officeDocument/2006/relationships" xmlns:p="http://schemas.openxmlformats.org/presentationml/2006/main">
   <p:cSld>
     <p:bg>
       <p:bgRef idx="1001">
@@ -147,7 +163,7 @@
             <a:spLocks noGrp="1"/>
           </p:cNvSpPr>
           <p:nvPr>
-            <p:ph type="hdr" sz="quarter" idx="0"/>
+            <p:ph type="hdr" sz="quarter"/>
           </p:nvPr>
         </p:nvSpPr>
         <p:spPr>
@@ -209,7 +225,7 @@
               <a:pPr lvl="0">
                 <a:defRPr/>
               </a:pPr>
-              <a:t>2024-10-29</a:t>
+              <a:t>2025-01-07</a:t>
             </a:fld>
             <a:endParaRPr lang="ko-KR" altLang="en-US"/>
           </a:p>
@@ -283,7 +299,6 @@
               <a:rPr lang="ko-KR" altLang="en-US"/>
               <a:t>마스터 텍스트 스타일을 편집합니다</a:t>
             </a:r>
-            <a:endParaRPr lang="ko-KR" altLang="en-US"/>
           </a:p>
           <a:p>
             <a:pPr lvl="1">
@@ -293,7 +308,6 @@
               <a:rPr lang="ko-KR" altLang="en-US"/>
               <a:t>둘째 수준</a:t>
             </a:r>
-            <a:endParaRPr lang="ko-KR" altLang="en-US"/>
           </a:p>
           <a:p>
             <a:pPr lvl="2">
@@ -303,7 +317,6 @@
               <a:rPr lang="ko-KR" altLang="en-US"/>
               <a:t>셋째 수준</a:t>
             </a:r>
-            <a:endParaRPr lang="ko-KR" altLang="en-US"/>
           </a:p>
           <a:p>
             <a:pPr lvl="3">
@@ -313,7 +326,6 @@
               <a:rPr lang="ko-KR" altLang="en-US"/>
               <a:t>넷째 수준</a:t>
             </a:r>
-            <a:endParaRPr lang="ko-KR" altLang="en-US"/>
           </a:p>
           <a:p>
             <a:pPr lvl="4">
@@ -323,7 +335,6 @@
               <a:rPr lang="ko-KR" altLang="en-US"/>
               <a:t>다섯째 수준</a:t>
             </a:r>
-            <a:endParaRPr lang="ko-KR" altLang="en-US"/>
           </a:p>
         </p:txBody>
       </p:sp>
@@ -502,7 +513,7 @@
 </file>
 
 <file path=ppt/notesSlides/notesSlide1.xml><?xml version="1.0" encoding="utf-8"?>
-<p:notes xmlns:r="http://schemas.openxmlformats.org/officeDocument/2006/relationships" xmlns:c="http://schemas.openxmlformats.org/drawingml/2006/chart" xmlns:a="http://schemas.openxmlformats.org/drawingml/2006/main" xmlns:dgm="http://schemas.openxmlformats.org/drawingml/2006/diagram" xmlns:dsp="http://schemas.microsoft.com/office/drawing/2008/diagram" xmlns:p="http://schemas.openxmlformats.org/presentationml/2006/main">
+<p:notes xmlns:a="http://schemas.openxmlformats.org/drawingml/2006/main" xmlns:r="http://schemas.openxmlformats.org/officeDocument/2006/relationships" xmlns:p="http://schemas.openxmlformats.org/presentationml/2006/main">
   <p:cSld>
     <p:spTree>
       <p:nvGrpSpPr>
@@ -790,7 +801,7 @@
               <a:pPr lvl="0">
                 <a:defRPr/>
               </a:pPr>
-              <a:t>2024-10-29</a:t>
+              <a:t>2025-01-07</a:t>
             </a:fld>
             <a:endParaRPr lang="ko-KR" altLang="en-US"/>
           </a:p>
@@ -932,7 +943,7 @@
               <a:pPr lvl="0">
                 <a:defRPr/>
               </a:pPr>
-              <a:t>2024-10-29</a:t>
+              <a:t>2025-01-07</a:t>
             </a:fld>
             <a:endParaRPr lang="ko-KR" altLang="en-US"/>
           </a:p>
@@ -1147,7 +1158,7 @@
               <a:pPr lvl="0">
                 <a:defRPr/>
               </a:pPr>
-              <a:t>2024-10-29</a:t>
+              <a:t>2025-01-07</a:t>
             </a:fld>
             <a:endParaRPr lang="ko-KR" altLang="en-US"/>
           </a:p>
@@ -1349,7 +1360,7 @@
               <a:pPr lvl="0">
                 <a:defRPr/>
               </a:pPr>
-              <a:t>2024-10-29</a:t>
+              <a:t>2025-01-07</a:t>
             </a:fld>
             <a:endParaRPr lang="ko-KR" altLang="en-US"/>
           </a:p>
@@ -1541,7 +1552,7 @@
               <a:pPr lvl="0">
                 <a:defRPr/>
               </a:pPr>
-              <a:t>2024-10-29</a:t>
+              <a:t>2025-01-07</a:t>
             </a:fld>
             <a:endParaRPr lang="ko-KR" altLang="en-US"/>
           </a:p>
@@ -1647,7 +1658,7 @@
               <a:pPr lvl="0">
                 <a:defRPr/>
               </a:pPr>
-              <a:t>2024-10-29</a:t>
+              <a:t>2025-01-07</a:t>
             </a:fld>
             <a:endParaRPr lang="ko-KR" altLang="en-US"/>
           </a:p>
@@ -1908,7 +1919,7 @@
               <a:pPr lvl="0">
                 <a:defRPr/>
               </a:pPr>
-              <a:t>2024-10-29</a:t>
+              <a:t>2025-01-07</a:t>
             </a:fld>
             <a:endParaRPr lang="ko-KR" altLang="en-US"/>
           </a:p>
@@ -2227,7 +2238,7 @@
               <a:pPr lvl="0">
                 <a:defRPr/>
               </a:pPr>
-              <a:t>2024-10-29</a:t>
+              <a:t>2025-01-07</a:t>
             </a:fld>
             <a:endParaRPr lang="ko-KR" altLang="en-US"/>
           </a:p>
@@ -2358,7 +2369,7 @@
               <a:pPr lvl="0">
                 <a:defRPr/>
               </a:pPr>
-              <a:t>2024-10-29</a:t>
+              <a:t>2025-01-07</a:t>
             </a:fld>
             <a:endParaRPr lang="ko-KR" altLang="en-US"/>
           </a:p>
@@ -2525,7 +2536,7 @@
               <a:pPr lvl="0">
                 <a:defRPr/>
               </a:pPr>
-              <a:t>2024-10-29</a:t>
+              <a:t>2025-01-07</a:t>
             </a:fld>
             <a:endParaRPr lang="ko-KR" altLang="en-US"/>
           </a:p>
@@ -3032,7 +3043,7 @@
               <a:pPr lvl="0">
                 <a:defRPr/>
               </a:pPr>
-              <a:t>2024-10-29</a:t>
+              <a:t>2025-01-07</a:t>
             </a:fld>
             <a:endParaRPr lang="ko-KR" altLang="en-US"/>
           </a:p>
@@ -3306,7 +3317,7 @@
               <a:pPr lvl="0">
                 <a:defRPr/>
               </a:pPr>
-              <a:t>2024-10-29</a:t>
+              <a:t>2025-01-07</a:t>
             </a:fld>
             <a:endParaRPr lang="ko-KR" altLang="en-US"/>
           </a:p>
@@ -3541,7 +3552,7 @@
               <a:pPr lvl="0">
                 <a:defRPr/>
               </a:pPr>
-              <a:t>2024-10-29</a:t>
+              <a:t>2025-01-07</a:t>
             </a:fld>
             <a:endParaRPr lang="ko-KR" altLang="en-US"/>
           </a:p>
@@ -11251,7 +11262,7 @@
                   </a:solidFill>
                   <a:latin typeface="DSEG14 Classic" panose="02000503000000000000" pitchFamily="2" charset="0"/>
                 </a:rPr>
-                <a:t>88</a:t>
+                <a:t>89</a:t>
               </a:r>
             </a:p>
           </p:txBody>
@@ -12054,751 +12065,12 @@
           <a:chExt cx="0" cy="0"/>
         </a:xfrm>
       </p:grpSpPr>
-      <p:sp>
-        <p:nvSpPr>
-          <p:cNvPr id="3" name="Rectangle 2">
+      <p:grpSp>
+        <p:nvGrpSpPr>
+          <p:cNvPr id="21" name="Group 20">
             <a:extLst>
               <a:ext uri="{FF2B5EF4-FFF2-40B4-BE49-F238E27FC236}">
-                <a16:creationId xmlns:a16="http://schemas.microsoft.com/office/drawing/2014/main" id="{1360CF74-AC84-6D82-D257-08842AA4B830}"/>
-              </a:ext>
-            </a:extLst>
-          </p:cNvPr>
-          <p:cNvSpPr/>
-          <p:nvPr/>
-        </p:nvSpPr>
-        <p:spPr>
-          <a:xfrm>
-            <a:off x="0" y="0"/>
-            <a:ext cx="4572000" cy="9144000"/>
-          </a:xfrm>
-          <a:prstGeom prst="rect">
-            <a:avLst/>
-          </a:prstGeom>
-          <a:solidFill>
-            <a:schemeClr val="lt1"/>
-          </a:solidFill>
-          <a:ln>
-            <a:noFill/>
-          </a:ln>
-        </p:spPr>
-        <p:style>
-          <a:lnRef idx="2">
-            <a:schemeClr val="accent1">
-              <a:shade val="20000"/>
-            </a:schemeClr>
-          </a:lnRef>
-          <a:fillRef idx="1">
-            <a:schemeClr val="accent1"/>
-          </a:fillRef>
-          <a:effectRef idx="0">
-            <a:schemeClr val="accent1"/>
-          </a:effectRef>
-          <a:fontRef idx="minor">
-            <a:schemeClr val="lt1"/>
-          </a:fontRef>
-        </p:style>
-        <p:txBody>
-          <a:bodyPr anchor="ctr"/>
-          <a:lstStyle/>
-          <a:p>
-            <a:pPr algn="ctr">
-              <a:defRPr/>
-            </a:pPr>
-            <a:endParaRPr lang="ko-KR" altLang="en-US" dirty="0"/>
-          </a:p>
-        </p:txBody>
-      </p:sp>
-      <p:sp>
-        <p:nvSpPr>
-          <p:cNvPr id="4" name="Rectangle 3">
-            <a:extLst>
-              <a:ext uri="{FF2B5EF4-FFF2-40B4-BE49-F238E27FC236}">
-                <a16:creationId xmlns:a16="http://schemas.microsoft.com/office/drawing/2014/main" id="{0A50C69A-14C6-BECF-AFDA-D8E82D4FFE47}"/>
-              </a:ext>
-            </a:extLst>
-          </p:cNvPr>
-          <p:cNvSpPr/>
-          <p:nvPr/>
-        </p:nvSpPr>
-        <p:spPr>
-          <a:xfrm>
-            <a:off x="203761" y="235115"/>
-            <a:ext cx="4164478" cy="8718052"/>
-          </a:xfrm>
-          <a:prstGeom prst="rect">
-            <a:avLst/>
-          </a:prstGeom>
-          <a:noFill/>
-          <a:ln w="38100">
-            <a:solidFill>
-              <a:schemeClr val="dk1"/>
-            </a:solidFill>
-          </a:ln>
-        </p:spPr>
-        <p:style>
-          <a:lnRef idx="2">
-            <a:schemeClr val="accent1">
-              <a:shade val="20000"/>
-            </a:schemeClr>
-          </a:lnRef>
-          <a:fillRef idx="1">
-            <a:schemeClr val="accent1"/>
-          </a:fillRef>
-          <a:effectRef idx="0">
-            <a:schemeClr val="accent1"/>
-          </a:effectRef>
-          <a:fontRef idx="minor">
-            <a:schemeClr val="lt1"/>
-          </a:fontRef>
-        </p:style>
-        <p:txBody>
-          <a:bodyPr anchor="ctr"/>
-          <a:lstStyle/>
-          <a:p>
-            <a:pPr algn="ctr">
-              <a:defRPr/>
-            </a:pPr>
-            <a:endParaRPr lang="ko-KR" altLang="en-US"/>
-          </a:p>
-        </p:txBody>
-      </p:sp>
-      <p:sp>
-        <p:nvSpPr>
-          <p:cNvPr id="5" name="Rectangle 4">
-            <a:extLst>
-              <a:ext uri="{FF2B5EF4-FFF2-40B4-BE49-F238E27FC236}">
-                <a16:creationId xmlns:a16="http://schemas.microsoft.com/office/drawing/2014/main" id="{8170377B-21E3-9880-C223-0F321D170DA1}"/>
-              </a:ext>
-            </a:extLst>
-          </p:cNvPr>
-          <p:cNvSpPr/>
-          <p:nvPr/>
-        </p:nvSpPr>
-        <p:spPr>
-          <a:xfrm>
-            <a:off x="182646" y="8652049"/>
-            <a:ext cx="2024331" cy="320168"/>
-          </a:xfrm>
-          <a:prstGeom prst="rect">
-            <a:avLst/>
-          </a:prstGeom>
-          <a:solidFill>
-            <a:schemeClr val="lt1"/>
-          </a:solidFill>
-          <a:ln>
-            <a:solidFill>
-              <a:schemeClr val="lt1"/>
-            </a:solidFill>
-          </a:ln>
-        </p:spPr>
-        <p:style>
-          <a:lnRef idx="2">
-            <a:schemeClr val="accent1">
-              <a:shade val="20000"/>
-            </a:schemeClr>
-          </a:lnRef>
-          <a:fillRef idx="1">
-            <a:schemeClr val="accent1"/>
-          </a:fillRef>
-          <a:effectRef idx="0">
-            <a:schemeClr val="accent1"/>
-          </a:effectRef>
-          <a:fontRef idx="minor">
-            <a:schemeClr val="lt1"/>
-          </a:fontRef>
-        </p:style>
-        <p:txBody>
-          <a:bodyPr anchor="ctr"/>
-          <a:lstStyle/>
-          <a:p>
-            <a:pPr algn="ctr">
-              <a:defRPr/>
-            </a:pPr>
-            <a:endParaRPr lang="ko-KR" altLang="en-US"/>
-          </a:p>
-        </p:txBody>
-      </p:sp>
-      <p:pic>
-        <p:nvPicPr>
-          <p:cNvPr id="6" name="Picture 5">
-            <a:extLst>
-              <a:ext uri="{FF2B5EF4-FFF2-40B4-BE49-F238E27FC236}">
-                <a16:creationId xmlns:a16="http://schemas.microsoft.com/office/drawing/2014/main" id="{790D011D-A4B8-D7F5-BC77-91EFD9065EB4}"/>
-              </a:ext>
-            </a:extLst>
-          </p:cNvPr>
-          <p:cNvPicPr/>
-          <p:nvPr/>
-        </p:nvPicPr>
-        <p:blipFill rotWithShape="1">
-          <a:blip r:embed="rId2"/>
-          <a:stretch>
-            <a:fillRect/>
-          </a:stretch>
-        </p:blipFill>
-        <p:spPr>
-          <a:xfrm>
-            <a:off x="182646" y="8623476"/>
-            <a:ext cx="1960497" cy="377317"/>
-          </a:xfrm>
-          <a:prstGeom prst="rect">
-            <a:avLst/>
-          </a:prstGeom>
-        </p:spPr>
-      </p:pic>
-      <p:sp>
-        <p:nvSpPr>
-          <p:cNvPr id="7" name="TextBox 6">
-            <a:extLst>
-              <a:ext uri="{FF2B5EF4-FFF2-40B4-BE49-F238E27FC236}">
-                <a16:creationId xmlns:a16="http://schemas.microsoft.com/office/drawing/2014/main" id="{0051733C-8227-D60B-84DB-66182CB31FB2}"/>
-              </a:ext>
-            </a:extLst>
-          </p:cNvPr>
-          <p:cNvSpPr txBox="1"/>
-          <p:nvPr/>
-        </p:nvSpPr>
-        <p:spPr>
-          <a:xfrm>
-            <a:off x="259013" y="1332196"/>
-            <a:ext cx="4109226" cy="2539900"/>
-          </a:xfrm>
-          <a:prstGeom prst="rect">
-            <a:avLst/>
-          </a:prstGeom>
-        </p:spPr>
-        <p:txBody>
-          <a:bodyPr wrap="none" anchor="ctr" anchorCtr="0">
-            <a:noAutofit/>
-          </a:bodyPr>
-          <a:lstStyle/>
-          <a:p>
-            <a:pPr algn="ctr">
-              <a:defRPr/>
-            </a:pPr>
-            <a:r>
-              <a:rPr lang="en-US" altLang="ko-KR" sz="14000" dirty="0">
-                <a:latin typeface="DSEG14 Classic" panose="02000503000000000000" pitchFamily="2" charset="0"/>
-              </a:rPr>
-              <a:t>08</a:t>
-            </a:r>
-          </a:p>
-        </p:txBody>
-      </p:sp>
-      <p:sp>
-        <p:nvSpPr>
-          <p:cNvPr id="8" name="TextBox 7">
-            <a:extLst>
-              <a:ext uri="{FF2B5EF4-FFF2-40B4-BE49-F238E27FC236}">
-                <a16:creationId xmlns:a16="http://schemas.microsoft.com/office/drawing/2014/main" id="{9055469C-893E-83C2-5C56-FD5FA324BBCF}"/>
-              </a:ext>
-            </a:extLst>
-          </p:cNvPr>
-          <p:cNvSpPr txBox="1"/>
-          <p:nvPr/>
-        </p:nvSpPr>
-        <p:spPr>
-          <a:xfrm>
-            <a:off x="203761" y="1332196"/>
-            <a:ext cx="4164478" cy="2539900"/>
-          </a:xfrm>
-          <a:prstGeom prst="rect">
-            <a:avLst/>
-          </a:prstGeom>
-        </p:spPr>
-        <p:txBody>
-          <a:bodyPr wrap="none" anchor="ctr" anchorCtr="0">
-            <a:noAutofit/>
-          </a:bodyPr>
-          <a:lstStyle/>
-          <a:p>
-            <a:pPr algn="ctr">
-              <a:defRPr/>
-            </a:pPr>
-            <a:r>
-              <a:rPr lang="en-US" altLang="ko-KR" sz="14000" dirty="0">
-                <a:solidFill>
-                  <a:schemeClr val="tx1">
-                    <a:alpha val="10000"/>
-                  </a:schemeClr>
-                </a:solidFill>
-                <a:latin typeface="DSEG14 Classic" panose="02000503000000000000" pitchFamily="2" charset="0"/>
-              </a:rPr>
-              <a:t>88</a:t>
-            </a:r>
-          </a:p>
-        </p:txBody>
-      </p:sp>
-      <p:cxnSp>
-        <p:nvCxnSpPr>
-          <p:cNvPr id="9" name="Straight Connector 8">
-            <a:extLst>
-              <a:ext uri="{FF2B5EF4-FFF2-40B4-BE49-F238E27FC236}">
-                <a16:creationId xmlns:a16="http://schemas.microsoft.com/office/drawing/2014/main" id="{08B1E252-2414-C059-9A0E-204AD36D9814}"/>
-              </a:ext>
-            </a:extLst>
-          </p:cNvPr>
-          <p:cNvCxnSpPr>
-            <a:stCxn id="4" idx="1"/>
-            <a:endCxn id="4" idx="3"/>
-          </p:cNvCxnSpPr>
-          <p:nvPr/>
-        </p:nvCxnSpPr>
-        <p:spPr>
-          <a:xfrm>
-            <a:off x="203761" y="4594141"/>
-            <a:ext cx="4164478" cy="0"/>
-          </a:xfrm>
-          <a:prstGeom prst="line">
-            <a:avLst/>
-          </a:prstGeom>
-          <a:ln w="38100">
-            <a:solidFill>
-              <a:schemeClr val="dk1"/>
-            </a:solidFill>
-            <a:prstDash val="sysDash"/>
-          </a:ln>
-        </p:spPr>
-        <p:style>
-          <a:lnRef idx="1">
-            <a:schemeClr val="accent1"/>
-          </a:lnRef>
-          <a:fillRef idx="0">
-            <a:schemeClr val="accent1"/>
-          </a:fillRef>
-          <a:effectRef idx="0">
-            <a:schemeClr val="accent1"/>
-          </a:effectRef>
-          <a:fontRef idx="minor">
-            <a:schemeClr val="tx1"/>
-          </a:fontRef>
-        </p:style>
-      </p:cxnSp>
-      <p:sp>
-        <p:nvSpPr>
-          <p:cNvPr id="10" name="TextBox 9">
-            <a:extLst>
-              <a:ext uri="{FF2B5EF4-FFF2-40B4-BE49-F238E27FC236}">
-                <a16:creationId xmlns:a16="http://schemas.microsoft.com/office/drawing/2014/main" id="{BCFE455C-6F5D-071A-834C-908FC8B350FB}"/>
-              </a:ext>
-            </a:extLst>
-          </p:cNvPr>
-          <p:cNvSpPr txBox="1"/>
-          <p:nvPr/>
-        </p:nvSpPr>
-        <p:spPr>
-          <a:xfrm>
-            <a:off x="203761" y="565149"/>
-            <a:ext cx="4164478" cy="595597"/>
-          </a:xfrm>
-          <a:prstGeom prst="rect">
-            <a:avLst/>
-          </a:prstGeom>
-        </p:spPr>
-        <p:txBody>
-          <a:bodyPr wrap="square" lIns="72009" tIns="72009" rIns="72009" bIns="72009">
-            <a:spAutoFit/>
-          </a:bodyPr>
-          <a:lstStyle/>
-          <a:p>
-            <a:pPr algn="ctr">
-              <a:defRPr/>
-            </a:pPr>
-            <a:r>
-              <a:rPr lang="en-US" altLang="ko-KR" sz="3000">
-                <a:latin typeface="Bahnschrift Light SemiCondensed"/>
-              </a:rPr>
-              <a:t>S E C T I</a:t>
-            </a:r>
-            <a:r>
-              <a:rPr lang="ko-KR" altLang="en-US" sz="3000">
-                <a:latin typeface="Bahnschrift Light SemiCondensed"/>
-              </a:rPr>
-              <a:t> </a:t>
-            </a:r>
-            <a:r>
-              <a:rPr lang="en-US" altLang="ko-KR" sz="3000">
-                <a:latin typeface="Bahnschrift Light SemiCondensed"/>
-              </a:rPr>
-              <a:t>O N</a:t>
-            </a:r>
-          </a:p>
-        </p:txBody>
-      </p:sp>
-      <p:sp>
-        <p:nvSpPr>
-          <p:cNvPr id="43" name="Rectangle 42">
-            <a:extLst>
-              <a:ext uri="{FF2B5EF4-FFF2-40B4-BE49-F238E27FC236}">
-                <a16:creationId xmlns:a16="http://schemas.microsoft.com/office/drawing/2014/main" id="{8663FC61-AF16-3AF3-D94B-07A1547FFCDE}"/>
-              </a:ext>
-            </a:extLst>
-          </p:cNvPr>
-          <p:cNvSpPr/>
-          <p:nvPr/>
-        </p:nvSpPr>
-        <p:spPr>
-          <a:xfrm>
-            <a:off x="4568845" y="0"/>
-            <a:ext cx="4572000" cy="9144000"/>
-          </a:xfrm>
-          <a:prstGeom prst="rect">
-            <a:avLst/>
-          </a:prstGeom>
-          <a:solidFill>
-            <a:schemeClr val="lt1"/>
-          </a:solidFill>
-          <a:ln>
-            <a:noFill/>
-          </a:ln>
-        </p:spPr>
-        <p:style>
-          <a:lnRef idx="2">
-            <a:schemeClr val="accent1">
-              <a:shade val="20000"/>
-            </a:schemeClr>
-          </a:lnRef>
-          <a:fillRef idx="1">
-            <a:schemeClr val="accent1"/>
-          </a:fillRef>
-          <a:effectRef idx="0">
-            <a:schemeClr val="accent1"/>
-          </a:effectRef>
-          <a:fontRef idx="minor">
-            <a:schemeClr val="lt1"/>
-          </a:fontRef>
-        </p:style>
-        <p:txBody>
-          <a:bodyPr anchor="ctr"/>
-          <a:lstStyle/>
-          <a:p>
-            <a:pPr algn="ctr">
-              <a:defRPr/>
-            </a:pPr>
-            <a:endParaRPr lang="ko-KR" altLang="en-US" dirty="0"/>
-          </a:p>
-        </p:txBody>
-      </p:sp>
-      <p:sp>
-        <p:nvSpPr>
-          <p:cNvPr id="12" name="Rectangle 11">
-            <a:extLst>
-              <a:ext uri="{FF2B5EF4-FFF2-40B4-BE49-F238E27FC236}">
-                <a16:creationId xmlns:a16="http://schemas.microsoft.com/office/drawing/2014/main" id="{9BD6751D-7F9D-0988-4A4A-16DEF00E0E8E}"/>
-              </a:ext>
-            </a:extLst>
-          </p:cNvPr>
-          <p:cNvSpPr/>
-          <p:nvPr/>
-        </p:nvSpPr>
-        <p:spPr>
-          <a:xfrm>
-            <a:off x="4775761" y="235115"/>
-            <a:ext cx="4164478" cy="8718052"/>
-          </a:xfrm>
-          <a:prstGeom prst="rect">
-            <a:avLst/>
-          </a:prstGeom>
-          <a:noFill/>
-          <a:ln w="38100">
-            <a:solidFill>
-              <a:schemeClr val="dk1"/>
-            </a:solidFill>
-          </a:ln>
-        </p:spPr>
-        <p:style>
-          <a:lnRef idx="2">
-            <a:schemeClr val="accent1">
-              <a:shade val="20000"/>
-            </a:schemeClr>
-          </a:lnRef>
-          <a:fillRef idx="1">
-            <a:schemeClr val="accent1"/>
-          </a:fillRef>
-          <a:effectRef idx="0">
-            <a:schemeClr val="accent1"/>
-          </a:effectRef>
-          <a:fontRef idx="minor">
-            <a:schemeClr val="lt1"/>
-          </a:fontRef>
-        </p:style>
-        <p:txBody>
-          <a:bodyPr anchor="ctr"/>
-          <a:lstStyle/>
-          <a:p>
-            <a:pPr algn="ctr">
-              <a:defRPr/>
-            </a:pPr>
-            <a:endParaRPr lang="ko-KR" altLang="en-US"/>
-          </a:p>
-        </p:txBody>
-      </p:sp>
-      <p:sp>
-        <p:nvSpPr>
-          <p:cNvPr id="13" name="Rectangle 12">
-            <a:extLst>
-              <a:ext uri="{FF2B5EF4-FFF2-40B4-BE49-F238E27FC236}">
-                <a16:creationId xmlns:a16="http://schemas.microsoft.com/office/drawing/2014/main" id="{F0A97E5F-C65E-A5AB-D371-C7D3CBF9D264}"/>
-              </a:ext>
-            </a:extLst>
-          </p:cNvPr>
-          <p:cNvSpPr/>
-          <p:nvPr/>
-        </p:nvSpPr>
-        <p:spPr>
-          <a:xfrm>
-            <a:off x="4754646" y="8652049"/>
-            <a:ext cx="2024331" cy="320168"/>
-          </a:xfrm>
-          <a:prstGeom prst="rect">
-            <a:avLst/>
-          </a:prstGeom>
-          <a:solidFill>
-            <a:schemeClr val="lt1"/>
-          </a:solidFill>
-          <a:ln>
-            <a:solidFill>
-              <a:schemeClr val="lt1"/>
-            </a:solidFill>
-          </a:ln>
-        </p:spPr>
-        <p:style>
-          <a:lnRef idx="2">
-            <a:schemeClr val="accent1">
-              <a:shade val="20000"/>
-            </a:schemeClr>
-          </a:lnRef>
-          <a:fillRef idx="1">
-            <a:schemeClr val="accent1"/>
-          </a:fillRef>
-          <a:effectRef idx="0">
-            <a:schemeClr val="accent1"/>
-          </a:effectRef>
-          <a:fontRef idx="minor">
-            <a:schemeClr val="lt1"/>
-          </a:fontRef>
-        </p:style>
-        <p:txBody>
-          <a:bodyPr anchor="ctr"/>
-          <a:lstStyle/>
-          <a:p>
-            <a:pPr algn="ctr">
-              <a:defRPr/>
-            </a:pPr>
-            <a:endParaRPr lang="ko-KR" altLang="en-US"/>
-          </a:p>
-        </p:txBody>
-      </p:sp>
-      <p:pic>
-        <p:nvPicPr>
-          <p:cNvPr id="14" name="Picture 13">
-            <a:extLst>
-              <a:ext uri="{FF2B5EF4-FFF2-40B4-BE49-F238E27FC236}">
-                <a16:creationId xmlns:a16="http://schemas.microsoft.com/office/drawing/2014/main" id="{84E3216E-B3B7-B4E3-5A0E-B2A7B61136F1}"/>
-              </a:ext>
-            </a:extLst>
-          </p:cNvPr>
-          <p:cNvPicPr/>
-          <p:nvPr/>
-        </p:nvPicPr>
-        <p:blipFill rotWithShape="1">
-          <a:blip r:embed="rId2"/>
-          <a:stretch>
-            <a:fillRect/>
-          </a:stretch>
-        </p:blipFill>
-        <p:spPr>
-          <a:xfrm>
-            <a:off x="4754646" y="8623476"/>
-            <a:ext cx="1960497" cy="377317"/>
-          </a:xfrm>
-          <a:prstGeom prst="rect">
-            <a:avLst/>
-          </a:prstGeom>
-        </p:spPr>
-      </p:pic>
-      <p:sp>
-        <p:nvSpPr>
-          <p:cNvPr id="15" name="TextBox 14">
-            <a:extLst>
-              <a:ext uri="{FF2B5EF4-FFF2-40B4-BE49-F238E27FC236}">
-                <a16:creationId xmlns:a16="http://schemas.microsoft.com/office/drawing/2014/main" id="{B90DFEDD-F2C8-132D-5AD7-8AFF12202750}"/>
-              </a:ext>
-            </a:extLst>
-          </p:cNvPr>
-          <p:cNvSpPr txBox="1"/>
-          <p:nvPr/>
-        </p:nvSpPr>
-        <p:spPr>
-          <a:xfrm>
-            <a:off x="4831013" y="1332196"/>
-            <a:ext cx="4109226" cy="2539900"/>
-          </a:xfrm>
-          <a:prstGeom prst="rect">
-            <a:avLst/>
-          </a:prstGeom>
-        </p:spPr>
-        <p:txBody>
-          <a:bodyPr wrap="none" anchor="ctr" anchorCtr="0">
-            <a:noAutofit/>
-          </a:bodyPr>
-          <a:lstStyle/>
-          <a:p>
-            <a:pPr algn="ctr">
-              <a:defRPr/>
-            </a:pPr>
-            <a:r>
-              <a:rPr lang="en-US" altLang="ko-KR" sz="14000" dirty="0">
-                <a:latin typeface="DSEG14 Classic" panose="02000503000000000000" pitchFamily="2" charset="0"/>
-              </a:rPr>
-              <a:t>09</a:t>
-            </a:r>
-          </a:p>
-        </p:txBody>
-      </p:sp>
-      <p:sp>
-        <p:nvSpPr>
-          <p:cNvPr id="16" name="TextBox 15">
-            <a:extLst>
-              <a:ext uri="{FF2B5EF4-FFF2-40B4-BE49-F238E27FC236}">
-                <a16:creationId xmlns:a16="http://schemas.microsoft.com/office/drawing/2014/main" id="{A5037030-8742-73C8-B17E-774ED7FA80FE}"/>
-              </a:ext>
-            </a:extLst>
-          </p:cNvPr>
-          <p:cNvSpPr txBox="1"/>
-          <p:nvPr/>
-        </p:nvSpPr>
-        <p:spPr>
-          <a:xfrm>
-            <a:off x="4775761" y="1332196"/>
-            <a:ext cx="4164478" cy="2539900"/>
-          </a:xfrm>
-          <a:prstGeom prst="rect">
-            <a:avLst/>
-          </a:prstGeom>
-        </p:spPr>
-        <p:txBody>
-          <a:bodyPr wrap="none" anchor="ctr" anchorCtr="0">
-            <a:noAutofit/>
-          </a:bodyPr>
-          <a:lstStyle/>
-          <a:p>
-            <a:pPr algn="ctr">
-              <a:defRPr/>
-            </a:pPr>
-            <a:r>
-              <a:rPr lang="en-US" altLang="ko-KR" sz="14000" dirty="0">
-                <a:solidFill>
-                  <a:schemeClr val="tx1">
-                    <a:alpha val="10000"/>
-                  </a:schemeClr>
-                </a:solidFill>
-                <a:latin typeface="DSEG14 Classic" panose="02000503000000000000" pitchFamily="2" charset="0"/>
-              </a:rPr>
-              <a:t>88</a:t>
-            </a:r>
-          </a:p>
-        </p:txBody>
-      </p:sp>
-      <p:cxnSp>
-        <p:nvCxnSpPr>
-          <p:cNvPr id="17" name="Straight Connector 16">
-            <a:extLst>
-              <a:ext uri="{FF2B5EF4-FFF2-40B4-BE49-F238E27FC236}">
-                <a16:creationId xmlns:a16="http://schemas.microsoft.com/office/drawing/2014/main" id="{E05B67ED-1C2A-F6AD-6092-4FDB7DF74264}"/>
-              </a:ext>
-            </a:extLst>
-          </p:cNvPr>
-          <p:cNvCxnSpPr/>
-          <p:nvPr/>
-        </p:nvCxnSpPr>
-        <p:spPr>
-          <a:xfrm>
-            <a:off x="4775761" y="4594141"/>
-            <a:ext cx="4164478" cy="0"/>
-          </a:xfrm>
-          <a:prstGeom prst="line">
-            <a:avLst/>
-          </a:prstGeom>
-          <a:ln w="38100">
-            <a:solidFill>
-              <a:schemeClr val="dk1"/>
-            </a:solidFill>
-            <a:prstDash val="sysDash"/>
-          </a:ln>
-        </p:spPr>
-        <p:style>
-          <a:lnRef idx="1">
-            <a:schemeClr val="accent1"/>
-          </a:lnRef>
-          <a:fillRef idx="0">
-            <a:schemeClr val="accent1"/>
-          </a:fillRef>
-          <a:effectRef idx="0">
-            <a:schemeClr val="accent1"/>
-          </a:effectRef>
-          <a:fontRef idx="minor">
-            <a:schemeClr val="tx1"/>
-          </a:fontRef>
-        </p:style>
-      </p:cxnSp>
-      <p:sp>
-        <p:nvSpPr>
-          <p:cNvPr id="18" name="TextBox 17">
-            <a:extLst>
-              <a:ext uri="{FF2B5EF4-FFF2-40B4-BE49-F238E27FC236}">
-                <a16:creationId xmlns:a16="http://schemas.microsoft.com/office/drawing/2014/main" id="{F09B44C8-F416-2D9A-CA10-3F600782C783}"/>
-              </a:ext>
-            </a:extLst>
-          </p:cNvPr>
-          <p:cNvSpPr txBox="1"/>
-          <p:nvPr/>
-        </p:nvSpPr>
-        <p:spPr>
-          <a:xfrm>
-            <a:off x="4775761" y="565149"/>
-            <a:ext cx="4164478" cy="595597"/>
-          </a:xfrm>
-          <a:prstGeom prst="rect">
-            <a:avLst/>
-          </a:prstGeom>
-        </p:spPr>
-        <p:txBody>
-          <a:bodyPr wrap="square" lIns="72009" tIns="72009" rIns="72009" bIns="72009">
-            <a:spAutoFit/>
-          </a:bodyPr>
-          <a:lstStyle/>
-          <a:p>
-            <a:pPr algn="ctr">
-              <a:defRPr/>
-            </a:pPr>
-            <a:r>
-              <a:rPr lang="en-US" altLang="ko-KR" sz="3000">
-                <a:latin typeface="Bahnschrift Light SemiCondensed"/>
-              </a:rPr>
-              <a:t>S E C T I</a:t>
-            </a:r>
-            <a:r>
-              <a:rPr lang="ko-KR" altLang="en-US" sz="3000">
-                <a:latin typeface="Bahnschrift Light SemiCondensed"/>
-              </a:rPr>
-              <a:t> </a:t>
-            </a:r>
-            <a:r>
-              <a:rPr lang="en-US" altLang="ko-KR" sz="3000">
-                <a:latin typeface="Bahnschrift Light SemiCondensed"/>
-              </a:rPr>
-              <a:t>O N</a:t>
-            </a:r>
-          </a:p>
-        </p:txBody>
-      </p:sp>
-      <p:grpSp>
-        <p:nvGrpSpPr>
-          <p:cNvPr id="40" name="Group 39">
-            <a:extLst>
-              <a:ext uri="{FF2B5EF4-FFF2-40B4-BE49-F238E27FC236}">
-                <a16:creationId xmlns:a16="http://schemas.microsoft.com/office/drawing/2014/main" id="{2C55184F-D12C-FD9E-3283-5B77C70F41C6}"/>
+                <a16:creationId xmlns:a16="http://schemas.microsoft.com/office/drawing/2014/main" id="{EAB9C958-669D-F6B4-A9EA-5DF4E70742EA}"/>
               </a:ext>
             </a:extLst>
           </p:cNvPr>
@@ -12807,18 +12079,389 @@
         </p:nvGrpSpPr>
         <p:grpSpPr>
           <a:xfrm>
-            <a:off x="1173818" y="5615831"/>
-            <a:ext cx="2229915" cy="2300998"/>
-            <a:chOff x="1173818" y="5495487"/>
-            <a:chExt cx="2229915" cy="2300998"/>
+            <a:off x="0" y="0"/>
+            <a:ext cx="4572000" cy="9144000"/>
+            <a:chOff x="0" y="0"/>
+            <a:chExt cx="4572000" cy="9144000"/>
           </a:xfrm>
         </p:grpSpPr>
+        <p:sp>
+          <p:nvSpPr>
+            <p:cNvPr id="3" name="Rectangle 2">
+              <a:extLst>
+                <a:ext uri="{FF2B5EF4-FFF2-40B4-BE49-F238E27FC236}">
+                  <a16:creationId xmlns:a16="http://schemas.microsoft.com/office/drawing/2014/main" id="{1360CF74-AC84-6D82-D257-08842AA4B830}"/>
+                </a:ext>
+              </a:extLst>
+            </p:cNvPr>
+            <p:cNvSpPr/>
+            <p:nvPr/>
+          </p:nvSpPr>
+          <p:spPr>
+            <a:xfrm>
+              <a:off x="0" y="0"/>
+              <a:ext cx="4572000" cy="9144000"/>
+            </a:xfrm>
+            <a:prstGeom prst="rect">
+              <a:avLst/>
+            </a:prstGeom>
+            <a:solidFill>
+              <a:schemeClr val="lt1"/>
+            </a:solidFill>
+            <a:ln>
+              <a:noFill/>
+            </a:ln>
+          </p:spPr>
+          <p:style>
+            <a:lnRef idx="2">
+              <a:schemeClr val="accent1">
+                <a:shade val="20000"/>
+              </a:schemeClr>
+            </a:lnRef>
+            <a:fillRef idx="1">
+              <a:schemeClr val="accent1"/>
+            </a:fillRef>
+            <a:effectRef idx="0">
+              <a:schemeClr val="accent1"/>
+            </a:effectRef>
+            <a:fontRef idx="minor">
+              <a:schemeClr val="lt1"/>
+            </a:fontRef>
+          </p:style>
+          <p:txBody>
+            <a:bodyPr anchor="ctr"/>
+            <a:lstStyle/>
+            <a:p>
+              <a:pPr algn="ctr">
+                <a:defRPr/>
+              </a:pPr>
+              <a:endParaRPr lang="ko-KR" altLang="en-US" dirty="0"/>
+            </a:p>
+          </p:txBody>
+        </p:sp>
+        <p:sp>
+          <p:nvSpPr>
+            <p:cNvPr id="4" name="Rectangle 3">
+              <a:extLst>
+                <a:ext uri="{FF2B5EF4-FFF2-40B4-BE49-F238E27FC236}">
+                  <a16:creationId xmlns:a16="http://schemas.microsoft.com/office/drawing/2014/main" id="{0A50C69A-14C6-BECF-AFDA-D8E82D4FFE47}"/>
+                </a:ext>
+              </a:extLst>
+            </p:cNvPr>
+            <p:cNvSpPr/>
+            <p:nvPr/>
+          </p:nvSpPr>
+          <p:spPr>
+            <a:xfrm>
+              <a:off x="203761" y="235115"/>
+              <a:ext cx="4164478" cy="8718052"/>
+            </a:xfrm>
+            <a:prstGeom prst="rect">
+              <a:avLst/>
+            </a:prstGeom>
+            <a:noFill/>
+            <a:ln w="38100">
+              <a:solidFill>
+                <a:schemeClr val="dk1"/>
+              </a:solidFill>
+            </a:ln>
+          </p:spPr>
+          <p:style>
+            <a:lnRef idx="2">
+              <a:schemeClr val="accent1">
+                <a:shade val="20000"/>
+              </a:schemeClr>
+            </a:lnRef>
+            <a:fillRef idx="1">
+              <a:schemeClr val="accent1"/>
+            </a:fillRef>
+            <a:effectRef idx="0">
+              <a:schemeClr val="accent1"/>
+            </a:effectRef>
+            <a:fontRef idx="minor">
+              <a:schemeClr val="lt1"/>
+            </a:fontRef>
+          </p:style>
+          <p:txBody>
+            <a:bodyPr anchor="ctr"/>
+            <a:lstStyle/>
+            <a:p>
+              <a:pPr algn="ctr">
+                <a:defRPr/>
+              </a:pPr>
+              <a:endParaRPr lang="ko-KR" altLang="en-US"/>
+            </a:p>
+          </p:txBody>
+        </p:sp>
+        <p:sp>
+          <p:nvSpPr>
+            <p:cNvPr id="5" name="Rectangle 4">
+              <a:extLst>
+                <a:ext uri="{FF2B5EF4-FFF2-40B4-BE49-F238E27FC236}">
+                  <a16:creationId xmlns:a16="http://schemas.microsoft.com/office/drawing/2014/main" id="{8170377B-21E3-9880-C223-0F321D170DA1}"/>
+                </a:ext>
+              </a:extLst>
+            </p:cNvPr>
+            <p:cNvSpPr/>
+            <p:nvPr/>
+          </p:nvSpPr>
+          <p:spPr>
+            <a:xfrm>
+              <a:off x="182646" y="8652049"/>
+              <a:ext cx="2024331" cy="320168"/>
+            </a:xfrm>
+            <a:prstGeom prst="rect">
+              <a:avLst/>
+            </a:prstGeom>
+            <a:solidFill>
+              <a:schemeClr val="lt1"/>
+            </a:solidFill>
+            <a:ln>
+              <a:solidFill>
+                <a:schemeClr val="lt1"/>
+              </a:solidFill>
+            </a:ln>
+          </p:spPr>
+          <p:style>
+            <a:lnRef idx="2">
+              <a:schemeClr val="accent1">
+                <a:shade val="20000"/>
+              </a:schemeClr>
+            </a:lnRef>
+            <a:fillRef idx="1">
+              <a:schemeClr val="accent1"/>
+            </a:fillRef>
+            <a:effectRef idx="0">
+              <a:schemeClr val="accent1"/>
+            </a:effectRef>
+            <a:fontRef idx="minor">
+              <a:schemeClr val="lt1"/>
+            </a:fontRef>
+          </p:style>
+          <p:txBody>
+            <a:bodyPr anchor="ctr"/>
+            <a:lstStyle/>
+            <a:p>
+              <a:pPr algn="ctr">
+                <a:defRPr/>
+              </a:pPr>
+              <a:endParaRPr lang="ko-KR" altLang="en-US"/>
+            </a:p>
+          </p:txBody>
+        </p:sp>
+        <p:pic>
+          <p:nvPicPr>
+            <p:cNvPr id="6" name="Picture 5">
+              <a:extLst>
+                <a:ext uri="{FF2B5EF4-FFF2-40B4-BE49-F238E27FC236}">
+                  <a16:creationId xmlns:a16="http://schemas.microsoft.com/office/drawing/2014/main" id="{790D011D-A4B8-D7F5-BC77-91EFD9065EB4}"/>
+                </a:ext>
+              </a:extLst>
+            </p:cNvPr>
+            <p:cNvPicPr/>
+            <p:nvPr/>
+          </p:nvPicPr>
+          <p:blipFill rotWithShape="1">
+            <a:blip r:embed="rId2"/>
+            <a:stretch>
+              <a:fillRect/>
+            </a:stretch>
+          </p:blipFill>
+          <p:spPr>
+            <a:xfrm>
+              <a:off x="182646" y="8623476"/>
+              <a:ext cx="1960497" cy="377317"/>
+            </a:xfrm>
+            <a:prstGeom prst="rect">
+              <a:avLst/>
+            </a:prstGeom>
+          </p:spPr>
+        </p:pic>
+        <p:sp>
+          <p:nvSpPr>
+            <p:cNvPr id="7" name="TextBox 6">
+              <a:extLst>
+                <a:ext uri="{FF2B5EF4-FFF2-40B4-BE49-F238E27FC236}">
+                  <a16:creationId xmlns:a16="http://schemas.microsoft.com/office/drawing/2014/main" id="{0051733C-8227-D60B-84DB-66182CB31FB2}"/>
+                </a:ext>
+              </a:extLst>
+            </p:cNvPr>
+            <p:cNvSpPr txBox="1"/>
+            <p:nvPr/>
+          </p:nvSpPr>
+          <p:spPr>
+            <a:xfrm>
+              <a:off x="259013" y="1332196"/>
+              <a:ext cx="4109226" cy="2539900"/>
+            </a:xfrm>
+            <a:prstGeom prst="rect">
+              <a:avLst/>
+            </a:prstGeom>
+          </p:spPr>
+          <p:txBody>
+            <a:bodyPr wrap="none" anchor="ctr" anchorCtr="0">
+              <a:noAutofit/>
+            </a:bodyPr>
+            <a:lstStyle/>
+            <a:p>
+              <a:pPr algn="ctr">
+                <a:defRPr/>
+              </a:pPr>
+              <a:r>
+                <a:rPr lang="en-US" altLang="ko-KR" sz="14000" dirty="0">
+                  <a:latin typeface="DSEG14 Classic" panose="02000503000000000000" pitchFamily="2" charset="0"/>
+                </a:rPr>
+                <a:t>08</a:t>
+              </a:r>
+            </a:p>
+          </p:txBody>
+        </p:sp>
+        <p:sp>
+          <p:nvSpPr>
+            <p:cNvPr id="8" name="TextBox 7">
+              <a:extLst>
+                <a:ext uri="{FF2B5EF4-FFF2-40B4-BE49-F238E27FC236}">
+                  <a16:creationId xmlns:a16="http://schemas.microsoft.com/office/drawing/2014/main" id="{9055469C-893E-83C2-5C56-FD5FA324BBCF}"/>
+                </a:ext>
+              </a:extLst>
+            </p:cNvPr>
+            <p:cNvSpPr txBox="1"/>
+            <p:nvPr/>
+          </p:nvSpPr>
+          <p:spPr>
+            <a:xfrm>
+              <a:off x="203761" y="1332196"/>
+              <a:ext cx="4164478" cy="2539900"/>
+            </a:xfrm>
+            <a:prstGeom prst="rect">
+              <a:avLst/>
+            </a:prstGeom>
+          </p:spPr>
+          <p:txBody>
+            <a:bodyPr wrap="none" anchor="ctr" anchorCtr="0">
+              <a:noAutofit/>
+            </a:bodyPr>
+            <a:lstStyle/>
+            <a:p>
+              <a:pPr algn="ctr">
+                <a:defRPr/>
+              </a:pPr>
+              <a:r>
+                <a:rPr lang="en-US" altLang="ko-KR" sz="14000" dirty="0">
+                  <a:solidFill>
+                    <a:schemeClr val="tx1">
+                      <a:alpha val="10000"/>
+                    </a:schemeClr>
+                  </a:solidFill>
+                  <a:latin typeface="DSEG14 Classic" panose="02000503000000000000" pitchFamily="2" charset="0"/>
+                </a:rPr>
+                <a:t>88</a:t>
+              </a:r>
+            </a:p>
+          </p:txBody>
+        </p:sp>
+        <p:cxnSp>
+          <p:nvCxnSpPr>
+            <p:cNvPr id="9" name="Straight Connector 8">
+              <a:extLst>
+                <a:ext uri="{FF2B5EF4-FFF2-40B4-BE49-F238E27FC236}">
+                  <a16:creationId xmlns:a16="http://schemas.microsoft.com/office/drawing/2014/main" id="{08B1E252-2414-C059-9A0E-204AD36D9814}"/>
+                </a:ext>
+              </a:extLst>
+            </p:cNvPr>
+            <p:cNvCxnSpPr>
+              <a:stCxn id="4" idx="1"/>
+              <a:endCxn id="4" idx="3"/>
+            </p:cNvCxnSpPr>
+            <p:nvPr/>
+          </p:nvCxnSpPr>
+          <p:spPr>
+            <a:xfrm>
+              <a:off x="203761" y="4594141"/>
+              <a:ext cx="4164478" cy="0"/>
+            </a:xfrm>
+            <a:prstGeom prst="line">
+              <a:avLst/>
+            </a:prstGeom>
+            <a:ln w="38100">
+              <a:solidFill>
+                <a:schemeClr val="dk1"/>
+              </a:solidFill>
+              <a:prstDash val="sysDash"/>
+            </a:ln>
+          </p:spPr>
+          <p:style>
+            <a:lnRef idx="1">
+              <a:schemeClr val="accent1"/>
+            </a:lnRef>
+            <a:fillRef idx="0">
+              <a:schemeClr val="accent1"/>
+            </a:fillRef>
+            <a:effectRef idx="0">
+              <a:schemeClr val="accent1"/>
+            </a:effectRef>
+            <a:fontRef idx="minor">
+              <a:schemeClr val="tx1"/>
+            </a:fontRef>
+          </p:style>
+        </p:cxnSp>
+        <p:sp>
+          <p:nvSpPr>
+            <p:cNvPr id="10" name="TextBox 9">
+              <a:extLst>
+                <a:ext uri="{FF2B5EF4-FFF2-40B4-BE49-F238E27FC236}">
+                  <a16:creationId xmlns:a16="http://schemas.microsoft.com/office/drawing/2014/main" id="{BCFE455C-6F5D-071A-834C-908FC8B350FB}"/>
+                </a:ext>
+              </a:extLst>
+            </p:cNvPr>
+            <p:cNvSpPr txBox="1"/>
+            <p:nvPr/>
+          </p:nvSpPr>
+          <p:spPr>
+            <a:xfrm>
+              <a:off x="203761" y="565149"/>
+              <a:ext cx="4164478" cy="595597"/>
+            </a:xfrm>
+            <a:prstGeom prst="rect">
+              <a:avLst/>
+            </a:prstGeom>
+          </p:spPr>
+          <p:txBody>
+            <a:bodyPr wrap="square" lIns="72009" tIns="72009" rIns="72009" bIns="72009">
+              <a:spAutoFit/>
+            </a:bodyPr>
+            <a:lstStyle/>
+            <a:p>
+              <a:pPr algn="ctr">
+                <a:defRPr/>
+              </a:pPr>
+              <a:r>
+                <a:rPr lang="en-US" altLang="ko-KR" sz="3000">
+                  <a:latin typeface="Bahnschrift Light SemiCondensed"/>
+                </a:rPr>
+                <a:t>S E C T I</a:t>
+              </a:r>
+              <a:r>
+                <a:rPr lang="ko-KR" altLang="en-US" sz="3000">
+                  <a:latin typeface="Bahnschrift Light SemiCondensed"/>
+                </a:rPr>
+                <a:t> </a:t>
+              </a:r>
+              <a:r>
+                <a:rPr lang="en-US" altLang="ko-KR" sz="3000">
+                  <a:latin typeface="Bahnschrift Light SemiCondensed"/>
+                </a:rPr>
+                <a:t>O N</a:t>
+              </a:r>
+            </a:p>
+          </p:txBody>
+        </p:sp>
         <p:grpSp>
           <p:nvGrpSpPr>
-            <p:cNvPr id="23" name="Group 22">
+            <p:cNvPr id="40" name="Group 39">
               <a:extLst>
                 <a:ext uri="{FF2B5EF4-FFF2-40B4-BE49-F238E27FC236}">
-                  <a16:creationId xmlns:a16="http://schemas.microsoft.com/office/drawing/2014/main" id="{64B8D676-C1C4-5994-9472-C8BACAA24145}"/>
+                  <a16:creationId xmlns:a16="http://schemas.microsoft.com/office/drawing/2014/main" id="{2C55184F-D12C-FD9E-3283-5B77C70F41C6}"/>
                 </a:ext>
               </a:extLst>
             </p:cNvPr>
@@ -12827,72 +12470,415 @@
           </p:nvGrpSpPr>
           <p:grpSpPr>
             <a:xfrm>
-              <a:off x="1173818" y="6831767"/>
-              <a:ext cx="551089" cy="959304"/>
-              <a:chOff x="5699992" y="5827350"/>
-              <a:chExt cx="551089" cy="959304"/>
+              <a:off x="1173818" y="5615831"/>
+              <a:ext cx="2229915" cy="2300998"/>
+              <a:chOff x="1173818" y="5495487"/>
+              <a:chExt cx="2229915" cy="2300998"/>
             </a:xfrm>
           </p:grpSpPr>
-          <p:sp>
-            <p:nvSpPr>
-              <p:cNvPr id="2" name="Oval 1">
+          <p:grpSp>
+            <p:nvGrpSpPr>
+              <p:cNvPr id="23" name="Group 22">
                 <a:extLst>
                   <a:ext uri="{FF2B5EF4-FFF2-40B4-BE49-F238E27FC236}">
-                    <a16:creationId xmlns:a16="http://schemas.microsoft.com/office/drawing/2014/main" id="{1682D647-7AB8-49D1-8852-8E5A585E0294}"/>
+                    <a16:creationId xmlns:a16="http://schemas.microsoft.com/office/drawing/2014/main" id="{64B8D676-C1C4-5994-9472-C8BACAA24145}"/>
                   </a:ext>
                 </a:extLst>
               </p:cNvPr>
-              <p:cNvSpPr/>
+              <p:cNvGrpSpPr/>
               <p:nvPr/>
-            </p:nvSpPr>
-            <p:spPr>
+            </p:nvGrpSpPr>
+            <p:grpSpPr>
               <a:xfrm>
-                <a:off x="5791840" y="5827350"/>
-                <a:ext cx="367393" cy="367393"/>
+                <a:off x="1173818" y="6831767"/>
+                <a:ext cx="551089" cy="959304"/>
+                <a:chOff x="5699992" y="5827350"/>
+                <a:chExt cx="551089" cy="959304"/>
               </a:xfrm>
-              <a:prstGeom prst="ellipse">
-                <a:avLst/>
-              </a:prstGeom>
-              <a:noFill/>
-              <a:ln w="38100">
-                <a:solidFill>
-                  <a:schemeClr val="dk1"/>
-                </a:solidFill>
-              </a:ln>
-            </p:spPr>
-            <p:style>
-              <a:lnRef idx="2">
-                <a:schemeClr val="accent1">
-                  <a:shade val="20000"/>
-                </a:schemeClr>
-              </a:lnRef>
-              <a:fillRef idx="1">
-                <a:schemeClr val="accent1"/>
-              </a:fillRef>
-              <a:effectRef idx="0">
-                <a:schemeClr val="accent1"/>
-              </a:effectRef>
-              <a:fontRef idx="minor">
-                <a:schemeClr val="lt1"/>
-              </a:fontRef>
-            </p:style>
-            <p:txBody>
-              <a:bodyPr anchor="ctr"/>
-              <a:lstStyle/>
-              <a:p>
-                <a:pPr algn="ctr">
-                  <a:defRPr/>
-                </a:pPr>
-                <a:endParaRPr lang="ko-KR" altLang="en-US"/>
-              </a:p>
-            </p:txBody>
-          </p:sp>
+            </p:grpSpPr>
+            <p:sp>
+              <p:nvSpPr>
+                <p:cNvPr id="2" name="Oval 1">
+                  <a:extLst>
+                    <a:ext uri="{FF2B5EF4-FFF2-40B4-BE49-F238E27FC236}">
+                      <a16:creationId xmlns:a16="http://schemas.microsoft.com/office/drawing/2014/main" id="{1682D647-7AB8-49D1-8852-8E5A585E0294}"/>
+                    </a:ext>
+                  </a:extLst>
+                </p:cNvPr>
+                <p:cNvSpPr/>
+                <p:nvPr/>
+              </p:nvSpPr>
+              <p:spPr>
+                <a:xfrm>
+                  <a:off x="5791840" y="5827350"/>
+                  <a:ext cx="367393" cy="367393"/>
+                </a:xfrm>
+                <a:prstGeom prst="ellipse">
+                  <a:avLst/>
+                </a:prstGeom>
+                <a:noFill/>
+                <a:ln w="38100">
+                  <a:solidFill>
+                    <a:schemeClr val="dk1"/>
+                  </a:solidFill>
+                </a:ln>
+              </p:spPr>
+              <p:style>
+                <a:lnRef idx="2">
+                  <a:schemeClr val="accent1">
+                    <a:shade val="20000"/>
+                  </a:schemeClr>
+                </a:lnRef>
+                <a:fillRef idx="1">
+                  <a:schemeClr val="accent1"/>
+                </a:fillRef>
+                <a:effectRef idx="0">
+                  <a:schemeClr val="accent1"/>
+                </a:effectRef>
+                <a:fontRef idx="minor">
+                  <a:schemeClr val="lt1"/>
+                </a:fontRef>
+              </p:style>
+              <p:txBody>
+                <a:bodyPr anchor="ctr"/>
+                <a:lstStyle/>
+                <a:p>
+                  <a:pPr algn="ctr">
+                    <a:defRPr/>
+                  </a:pPr>
+                  <a:endParaRPr lang="ko-KR" altLang="en-US"/>
+                </a:p>
+              </p:txBody>
+            </p:sp>
+            <p:sp>
+              <p:nvSpPr>
+                <p:cNvPr id="11" name="Arrow: Pentagon 10">
+                  <a:extLst>
+                    <a:ext uri="{FF2B5EF4-FFF2-40B4-BE49-F238E27FC236}">
+                      <a16:creationId xmlns:a16="http://schemas.microsoft.com/office/drawing/2014/main" id="{0FA3260E-7561-7438-558A-C6DDF818E5E3}"/>
+                    </a:ext>
+                  </a:extLst>
+                </p:cNvPr>
+                <p:cNvSpPr/>
+                <p:nvPr/>
+              </p:nvSpPr>
+              <p:spPr>
+                <a:xfrm rot="16200000">
+                  <a:off x="5720403" y="6255975"/>
+                  <a:ext cx="510268" cy="551089"/>
+                </a:xfrm>
+                <a:prstGeom prst="homePlate">
+                  <a:avLst>
+                    <a:gd name="adj" fmla="val 28125"/>
+                  </a:avLst>
+                </a:prstGeom>
+                <a:noFill/>
+                <a:ln w="38100">
+                  <a:solidFill>
+                    <a:schemeClr val="dk1"/>
+                  </a:solidFill>
+                </a:ln>
+              </p:spPr>
+              <p:style>
+                <a:lnRef idx="2">
+                  <a:schemeClr val="accent1">
+                    <a:shade val="20000"/>
+                  </a:schemeClr>
+                </a:lnRef>
+                <a:fillRef idx="1">
+                  <a:schemeClr val="accent1"/>
+                </a:fillRef>
+                <a:effectRef idx="0">
+                  <a:schemeClr val="accent1"/>
+                </a:effectRef>
+                <a:fontRef idx="minor">
+                  <a:schemeClr val="lt1"/>
+                </a:fontRef>
+              </p:style>
+              <p:txBody>
+                <a:bodyPr anchor="ctr"/>
+                <a:lstStyle/>
+                <a:p>
+                  <a:pPr algn="ctr">
+                    <a:defRPr/>
+                  </a:pPr>
+                  <a:endParaRPr lang="ko-KR" altLang="en-US" dirty="0"/>
+                </a:p>
+              </p:txBody>
+            </p:sp>
+          </p:grpSp>
+          <p:grpSp>
+            <p:nvGrpSpPr>
+              <p:cNvPr id="19" name="Group 18">
+                <a:extLst>
+                  <a:ext uri="{FF2B5EF4-FFF2-40B4-BE49-F238E27FC236}">
+                    <a16:creationId xmlns:a16="http://schemas.microsoft.com/office/drawing/2014/main" id="{6DEFA1F4-69C3-4778-8146-A3E55111D3D9}"/>
+                  </a:ext>
+                </a:extLst>
+              </p:cNvPr>
+              <p:cNvGrpSpPr/>
+              <p:nvPr/>
+            </p:nvGrpSpPr>
+            <p:grpSpPr>
+              <a:xfrm>
+                <a:off x="1174796" y="5495487"/>
+                <a:ext cx="551089" cy="959304"/>
+                <a:chOff x="5699992" y="5827350"/>
+                <a:chExt cx="551089" cy="959304"/>
+              </a:xfrm>
+            </p:grpSpPr>
+            <p:sp>
+              <p:nvSpPr>
+                <p:cNvPr id="20" name="Oval 19">
+                  <a:extLst>
+                    <a:ext uri="{FF2B5EF4-FFF2-40B4-BE49-F238E27FC236}">
+                      <a16:creationId xmlns:a16="http://schemas.microsoft.com/office/drawing/2014/main" id="{4A877C10-CE60-57E4-A25C-75DA16DB0EEA}"/>
+                    </a:ext>
+                  </a:extLst>
+                </p:cNvPr>
+                <p:cNvSpPr/>
+                <p:nvPr/>
+              </p:nvSpPr>
+              <p:spPr>
+                <a:xfrm>
+                  <a:off x="5791840" y="5827350"/>
+                  <a:ext cx="367393" cy="367393"/>
+                </a:xfrm>
+                <a:prstGeom prst="ellipse">
+                  <a:avLst/>
+                </a:prstGeom>
+                <a:noFill/>
+                <a:ln w="38100">
+                  <a:solidFill>
+                    <a:srgbClr val="FD4545"/>
+                  </a:solidFill>
+                  <a:prstDash val="sysDash"/>
+                </a:ln>
+              </p:spPr>
+              <p:style>
+                <a:lnRef idx="2">
+                  <a:schemeClr val="accent1">
+                    <a:shade val="20000"/>
+                  </a:schemeClr>
+                </a:lnRef>
+                <a:fillRef idx="1">
+                  <a:schemeClr val="accent1"/>
+                </a:fillRef>
+                <a:effectRef idx="0">
+                  <a:schemeClr val="accent1"/>
+                </a:effectRef>
+                <a:fontRef idx="minor">
+                  <a:schemeClr val="lt1"/>
+                </a:fontRef>
+              </p:style>
+              <p:txBody>
+                <a:bodyPr anchor="ctr"/>
+                <a:lstStyle/>
+                <a:p>
+                  <a:pPr algn="ctr">
+                    <a:defRPr/>
+                  </a:pPr>
+                  <a:endParaRPr lang="ko-KR" altLang="en-US"/>
+                </a:p>
+              </p:txBody>
+            </p:sp>
+            <p:sp>
+              <p:nvSpPr>
+                <p:cNvPr id="22" name="Arrow: Pentagon 21">
+                  <a:extLst>
+                    <a:ext uri="{FF2B5EF4-FFF2-40B4-BE49-F238E27FC236}">
+                      <a16:creationId xmlns:a16="http://schemas.microsoft.com/office/drawing/2014/main" id="{BDC3D5C7-38A4-0871-FCCD-A0AB47FD5AE4}"/>
+                    </a:ext>
+                  </a:extLst>
+                </p:cNvPr>
+                <p:cNvSpPr/>
+                <p:nvPr/>
+              </p:nvSpPr>
+              <p:spPr>
+                <a:xfrm rot="16200000">
+                  <a:off x="5720403" y="6255975"/>
+                  <a:ext cx="510268" cy="551089"/>
+                </a:xfrm>
+                <a:prstGeom prst="homePlate">
+                  <a:avLst>
+                    <a:gd name="adj" fmla="val 28125"/>
+                  </a:avLst>
+                </a:prstGeom>
+                <a:noFill/>
+                <a:ln w="38100">
+                  <a:solidFill>
+                    <a:srgbClr val="FD4545"/>
+                  </a:solidFill>
+                  <a:prstDash val="sysDash"/>
+                </a:ln>
+              </p:spPr>
+              <p:style>
+                <a:lnRef idx="2">
+                  <a:schemeClr val="accent1">
+                    <a:shade val="20000"/>
+                  </a:schemeClr>
+                </a:lnRef>
+                <a:fillRef idx="1">
+                  <a:schemeClr val="accent1"/>
+                </a:fillRef>
+                <a:effectRef idx="0">
+                  <a:schemeClr val="accent1"/>
+                </a:effectRef>
+                <a:fontRef idx="minor">
+                  <a:schemeClr val="lt1"/>
+                </a:fontRef>
+              </p:style>
+              <p:txBody>
+                <a:bodyPr anchor="ctr"/>
+                <a:lstStyle/>
+                <a:p>
+                  <a:pPr algn="ctr">
+                    <a:defRPr/>
+                  </a:pPr>
+                  <a:endParaRPr lang="ko-KR" altLang="en-US" dirty="0"/>
+                </a:p>
+              </p:txBody>
+            </p:sp>
+          </p:grpSp>
+          <p:grpSp>
+            <p:nvGrpSpPr>
+              <p:cNvPr id="25" name="Group 24">
+                <a:extLst>
+                  <a:ext uri="{FF2B5EF4-FFF2-40B4-BE49-F238E27FC236}">
+                    <a16:creationId xmlns:a16="http://schemas.microsoft.com/office/drawing/2014/main" id="{CB9DD5D9-5BF6-F7AE-0033-FCA74C1EFE4B}"/>
+                  </a:ext>
+                </a:extLst>
+              </p:cNvPr>
+              <p:cNvGrpSpPr/>
+              <p:nvPr/>
+            </p:nvGrpSpPr>
+            <p:grpSpPr>
+              <a:xfrm>
+                <a:off x="2852642" y="6837181"/>
+                <a:ext cx="551089" cy="959304"/>
+                <a:chOff x="5699992" y="5827350"/>
+                <a:chExt cx="551089" cy="959304"/>
+              </a:xfrm>
+            </p:grpSpPr>
+            <p:sp>
+              <p:nvSpPr>
+                <p:cNvPr id="28" name="Oval 27">
+                  <a:extLst>
+                    <a:ext uri="{FF2B5EF4-FFF2-40B4-BE49-F238E27FC236}">
+                      <a16:creationId xmlns:a16="http://schemas.microsoft.com/office/drawing/2014/main" id="{0BC6A9EC-CFE1-C524-79BE-A5B06C26E0DE}"/>
+                    </a:ext>
+                  </a:extLst>
+                </p:cNvPr>
+                <p:cNvSpPr/>
+                <p:nvPr/>
+              </p:nvSpPr>
+              <p:spPr>
+                <a:xfrm>
+                  <a:off x="5791840" y="5827350"/>
+                  <a:ext cx="367393" cy="367393"/>
+                </a:xfrm>
+                <a:prstGeom prst="ellipse">
+                  <a:avLst/>
+                </a:prstGeom>
+                <a:noFill/>
+                <a:ln w="38100">
+                  <a:solidFill>
+                    <a:srgbClr val="FD4545"/>
+                  </a:solidFill>
+                  <a:prstDash val="sysDash"/>
+                </a:ln>
+              </p:spPr>
+              <p:style>
+                <a:lnRef idx="2">
+                  <a:schemeClr val="accent1">
+                    <a:shade val="20000"/>
+                  </a:schemeClr>
+                </a:lnRef>
+                <a:fillRef idx="1">
+                  <a:schemeClr val="accent1"/>
+                </a:fillRef>
+                <a:effectRef idx="0">
+                  <a:schemeClr val="accent1"/>
+                </a:effectRef>
+                <a:fontRef idx="minor">
+                  <a:schemeClr val="lt1"/>
+                </a:fontRef>
+              </p:style>
+              <p:txBody>
+                <a:bodyPr anchor="ctr"/>
+                <a:lstStyle/>
+                <a:p>
+                  <a:pPr algn="ctr">
+                    <a:defRPr/>
+                  </a:pPr>
+                  <a:endParaRPr lang="ko-KR" altLang="en-US"/>
+                </a:p>
+              </p:txBody>
+            </p:sp>
+            <p:sp>
+              <p:nvSpPr>
+                <p:cNvPr id="32" name="Arrow: Pentagon 31">
+                  <a:extLst>
+                    <a:ext uri="{FF2B5EF4-FFF2-40B4-BE49-F238E27FC236}">
+                      <a16:creationId xmlns:a16="http://schemas.microsoft.com/office/drawing/2014/main" id="{BDF6F30C-3FA2-6908-FF8F-A5E9ED4519D6}"/>
+                    </a:ext>
+                  </a:extLst>
+                </p:cNvPr>
+                <p:cNvSpPr/>
+                <p:nvPr/>
+              </p:nvSpPr>
+              <p:spPr>
+                <a:xfrm rot="16200000">
+                  <a:off x="5720403" y="6255975"/>
+                  <a:ext cx="510268" cy="551089"/>
+                </a:xfrm>
+                <a:prstGeom prst="homePlate">
+                  <a:avLst>
+                    <a:gd name="adj" fmla="val 28125"/>
+                  </a:avLst>
+                </a:prstGeom>
+                <a:noFill/>
+                <a:ln w="38100">
+                  <a:solidFill>
+                    <a:srgbClr val="FD4545"/>
+                  </a:solidFill>
+                  <a:prstDash val="sysDash"/>
+                </a:ln>
+              </p:spPr>
+              <p:style>
+                <a:lnRef idx="2">
+                  <a:schemeClr val="accent1">
+                    <a:shade val="20000"/>
+                  </a:schemeClr>
+                </a:lnRef>
+                <a:fillRef idx="1">
+                  <a:schemeClr val="accent1"/>
+                </a:fillRef>
+                <a:effectRef idx="0">
+                  <a:schemeClr val="accent1"/>
+                </a:effectRef>
+                <a:fontRef idx="minor">
+                  <a:schemeClr val="lt1"/>
+                </a:fontRef>
+              </p:style>
+              <p:txBody>
+                <a:bodyPr anchor="ctr"/>
+                <a:lstStyle/>
+                <a:p>
+                  <a:pPr algn="ctr">
+                    <a:defRPr/>
+                  </a:pPr>
+                  <a:endParaRPr lang="ko-KR" altLang="en-US" dirty="0"/>
+                </a:p>
+              </p:txBody>
+            </p:sp>
+          </p:grpSp>
           <p:sp>
             <p:nvSpPr>
-              <p:cNvPr id="11" name="Arrow: Pentagon 10">
+              <p:cNvPr id="33" name="Rectangle 32">
                 <a:extLst>
                   <a:ext uri="{FF2B5EF4-FFF2-40B4-BE49-F238E27FC236}">
-                    <a16:creationId xmlns:a16="http://schemas.microsoft.com/office/drawing/2014/main" id="{0FA3260E-7561-7438-558A-C6DDF818E5E3}"/>
+                    <a16:creationId xmlns:a16="http://schemas.microsoft.com/office/drawing/2014/main" id="{DF7AC3A6-5867-78EC-5BBD-330033DF49E9}"/>
                   </a:ext>
                 </a:extLst>
               </p:cNvPr>
@@ -12901,150 +12887,16 @@
             </p:nvSpPr>
             <p:spPr>
               <a:xfrm rot="16200000">
-                <a:off x="5720403" y="6255975"/>
-                <a:ext cx="510268" cy="551089"/>
+                <a:off x="2852789" y="5611218"/>
+                <a:ext cx="550800" cy="551089"/>
               </a:xfrm>
-              <a:prstGeom prst="homePlate">
-                <a:avLst>
-                  <a:gd name="adj" fmla="val 28125"/>
-                </a:avLst>
-              </a:prstGeom>
-              <a:noFill/>
-              <a:ln w="38100">
-                <a:solidFill>
-                  <a:schemeClr val="dk1"/>
-                </a:solidFill>
-              </a:ln>
-            </p:spPr>
-            <p:style>
-              <a:lnRef idx="2">
-                <a:schemeClr val="accent1">
-                  <a:shade val="20000"/>
-                </a:schemeClr>
-              </a:lnRef>
-              <a:fillRef idx="1">
-                <a:schemeClr val="accent1"/>
-              </a:fillRef>
-              <a:effectRef idx="0">
-                <a:schemeClr val="accent1"/>
-              </a:effectRef>
-              <a:fontRef idx="minor">
-                <a:schemeClr val="lt1"/>
-              </a:fontRef>
-            </p:style>
-            <p:txBody>
-              <a:bodyPr anchor="ctr"/>
-              <a:lstStyle/>
-              <a:p>
-                <a:pPr algn="ctr">
-                  <a:defRPr/>
-                </a:pPr>
-                <a:endParaRPr lang="ko-KR" altLang="en-US" dirty="0"/>
-              </a:p>
-            </p:txBody>
-          </p:sp>
-        </p:grpSp>
-        <p:grpSp>
-          <p:nvGrpSpPr>
-            <p:cNvPr id="19" name="Group 18">
-              <a:extLst>
-                <a:ext uri="{FF2B5EF4-FFF2-40B4-BE49-F238E27FC236}">
-                  <a16:creationId xmlns:a16="http://schemas.microsoft.com/office/drawing/2014/main" id="{6DEFA1F4-69C3-4778-8146-A3E55111D3D9}"/>
-                </a:ext>
-              </a:extLst>
-            </p:cNvPr>
-            <p:cNvGrpSpPr/>
-            <p:nvPr/>
-          </p:nvGrpSpPr>
-          <p:grpSpPr>
-            <a:xfrm>
-              <a:off x="1174796" y="5495487"/>
-              <a:ext cx="551089" cy="959304"/>
-              <a:chOff x="5699992" y="5827350"/>
-              <a:chExt cx="551089" cy="959304"/>
-            </a:xfrm>
-          </p:grpSpPr>
-          <p:sp>
-            <p:nvSpPr>
-              <p:cNvPr id="20" name="Oval 19">
-                <a:extLst>
-                  <a:ext uri="{FF2B5EF4-FFF2-40B4-BE49-F238E27FC236}">
-                    <a16:creationId xmlns:a16="http://schemas.microsoft.com/office/drawing/2014/main" id="{4A877C10-CE60-57E4-A25C-75DA16DB0EEA}"/>
-                  </a:ext>
-                </a:extLst>
-              </p:cNvPr>
-              <p:cNvSpPr/>
-              <p:nvPr/>
-            </p:nvSpPr>
-            <p:spPr>
-              <a:xfrm>
-                <a:off x="5791840" y="5827350"/>
-                <a:ext cx="367393" cy="367393"/>
-              </a:xfrm>
-              <a:prstGeom prst="ellipse">
+              <a:prstGeom prst="rect">
                 <a:avLst/>
               </a:prstGeom>
               <a:noFill/>
-              <a:ln w="38100">
+              <a:ln w="38100" cap="flat">
                 <a:solidFill>
-                  <a:srgbClr val="FD4545"/>
-                </a:solidFill>
-                <a:prstDash val="sysDash"/>
-              </a:ln>
-            </p:spPr>
-            <p:style>
-              <a:lnRef idx="2">
-                <a:schemeClr val="accent1">
-                  <a:shade val="20000"/>
-                </a:schemeClr>
-              </a:lnRef>
-              <a:fillRef idx="1">
-                <a:schemeClr val="accent1"/>
-              </a:fillRef>
-              <a:effectRef idx="0">
-                <a:schemeClr val="accent1"/>
-              </a:effectRef>
-              <a:fontRef idx="minor">
-                <a:schemeClr val="lt1"/>
-              </a:fontRef>
-            </p:style>
-            <p:txBody>
-              <a:bodyPr anchor="ctr"/>
-              <a:lstStyle/>
-              <a:p>
-                <a:pPr algn="ctr">
-                  <a:defRPr/>
-                </a:pPr>
-                <a:endParaRPr lang="ko-KR" altLang="en-US"/>
-              </a:p>
-            </p:txBody>
-          </p:sp>
-          <p:sp>
-            <p:nvSpPr>
-              <p:cNvPr id="22" name="Arrow: Pentagon 21">
-                <a:extLst>
-                  <a:ext uri="{FF2B5EF4-FFF2-40B4-BE49-F238E27FC236}">
-                    <a16:creationId xmlns:a16="http://schemas.microsoft.com/office/drawing/2014/main" id="{BDC3D5C7-38A4-0871-FCCD-A0AB47FD5AE4}"/>
-                  </a:ext>
-                </a:extLst>
-              </p:cNvPr>
-              <p:cNvSpPr/>
-              <p:nvPr/>
-            </p:nvSpPr>
-            <p:spPr>
-              <a:xfrm rot="16200000">
-                <a:off x="5720403" y="6255975"/>
-                <a:ext cx="510268" cy="551089"/>
-              </a:xfrm>
-              <a:prstGeom prst="homePlate">
-                <a:avLst>
-                  <a:gd name="adj" fmla="val 28125"/>
-                </a:avLst>
-              </a:prstGeom>
-              <a:noFill/>
-              <a:ln w="38100">
-                <a:solidFill>
-                  <a:srgbClr val="FD4545"/>
+                  <a:schemeClr val="dk1"/>
                 </a:solidFill>
                 <a:prstDash val="sysDash"/>
               </a:ln>
@@ -13076,13 +12928,448 @@
               </a:p>
             </p:txBody>
           </p:sp>
+          <p:cxnSp>
+            <p:nvCxnSpPr>
+              <p:cNvPr id="35" name="Connector: Elbow 34">
+                <a:extLst>
+                  <a:ext uri="{FF2B5EF4-FFF2-40B4-BE49-F238E27FC236}">
+                    <a16:creationId xmlns:a16="http://schemas.microsoft.com/office/drawing/2014/main" id="{4C24EDB8-9587-8CAE-AF32-05EF0B27C63C}"/>
+                  </a:ext>
+                </a:extLst>
+              </p:cNvPr>
+              <p:cNvCxnSpPr>
+                <a:cxnSpLocks/>
+                <a:stCxn id="11" idx="2"/>
+                <a:endCxn id="33" idx="0"/>
+              </p:cNvCxnSpPr>
+              <p:nvPr/>
+            </p:nvCxnSpPr>
+            <p:spPr>
+              <a:xfrm flipV="1">
+                <a:off x="1724908" y="5886763"/>
+                <a:ext cx="1127737" cy="1720930"/>
+              </a:xfrm>
+              <a:prstGeom prst="bentConnector3">
+                <a:avLst/>
+              </a:prstGeom>
+              <a:ln w="38100" cap="rnd">
+                <a:solidFill>
+                  <a:schemeClr val="dk1"/>
+                </a:solidFill>
+                <a:tailEnd type="triangle"/>
+              </a:ln>
+            </p:spPr>
+            <p:style>
+              <a:lnRef idx="1">
+                <a:schemeClr val="accent1"/>
+              </a:lnRef>
+              <a:fillRef idx="0">
+                <a:schemeClr val="accent1"/>
+              </a:fillRef>
+              <a:effectRef idx="0">
+                <a:schemeClr val="accent1"/>
+              </a:effectRef>
+              <a:fontRef idx="minor">
+                <a:schemeClr val="tx1"/>
+              </a:fontRef>
+            </p:style>
+          </p:cxnSp>
         </p:grpSp>
+      </p:grpSp>
+      <p:grpSp>
+        <p:nvGrpSpPr>
+          <p:cNvPr id="24" name="Group 23">
+            <a:extLst>
+              <a:ext uri="{FF2B5EF4-FFF2-40B4-BE49-F238E27FC236}">
+                <a16:creationId xmlns:a16="http://schemas.microsoft.com/office/drawing/2014/main" id="{129882F1-A04B-865B-891A-BF4EDF1E4CE2}"/>
+              </a:ext>
+            </a:extLst>
+          </p:cNvPr>
+          <p:cNvGrpSpPr/>
+          <p:nvPr/>
+        </p:nvGrpSpPr>
+        <p:grpSpPr>
+          <a:xfrm>
+            <a:off x="4568845" y="0"/>
+            <a:ext cx="4572000" cy="9144000"/>
+            <a:chOff x="4568845" y="0"/>
+            <a:chExt cx="4572000" cy="9144000"/>
+          </a:xfrm>
+        </p:grpSpPr>
+        <p:sp>
+          <p:nvSpPr>
+            <p:cNvPr id="43" name="Rectangle 42">
+              <a:extLst>
+                <a:ext uri="{FF2B5EF4-FFF2-40B4-BE49-F238E27FC236}">
+                  <a16:creationId xmlns:a16="http://schemas.microsoft.com/office/drawing/2014/main" id="{8663FC61-AF16-3AF3-D94B-07A1547FFCDE}"/>
+                </a:ext>
+              </a:extLst>
+            </p:cNvPr>
+            <p:cNvSpPr/>
+            <p:nvPr/>
+          </p:nvSpPr>
+          <p:spPr>
+            <a:xfrm>
+              <a:off x="4568845" y="0"/>
+              <a:ext cx="4572000" cy="9144000"/>
+            </a:xfrm>
+            <a:prstGeom prst="rect">
+              <a:avLst/>
+            </a:prstGeom>
+            <a:solidFill>
+              <a:schemeClr val="lt1"/>
+            </a:solidFill>
+            <a:ln>
+              <a:noFill/>
+            </a:ln>
+          </p:spPr>
+          <p:style>
+            <a:lnRef idx="2">
+              <a:schemeClr val="accent1">
+                <a:shade val="20000"/>
+              </a:schemeClr>
+            </a:lnRef>
+            <a:fillRef idx="1">
+              <a:schemeClr val="accent1"/>
+            </a:fillRef>
+            <a:effectRef idx="0">
+              <a:schemeClr val="accent1"/>
+            </a:effectRef>
+            <a:fontRef idx="minor">
+              <a:schemeClr val="lt1"/>
+            </a:fontRef>
+          </p:style>
+          <p:txBody>
+            <a:bodyPr anchor="ctr"/>
+            <a:lstStyle/>
+            <a:p>
+              <a:pPr algn="ctr">
+                <a:defRPr/>
+              </a:pPr>
+              <a:endParaRPr lang="ko-KR" altLang="en-US" dirty="0"/>
+            </a:p>
+          </p:txBody>
+        </p:sp>
+        <p:sp>
+          <p:nvSpPr>
+            <p:cNvPr id="12" name="Rectangle 11">
+              <a:extLst>
+                <a:ext uri="{FF2B5EF4-FFF2-40B4-BE49-F238E27FC236}">
+                  <a16:creationId xmlns:a16="http://schemas.microsoft.com/office/drawing/2014/main" id="{9BD6751D-7F9D-0988-4A4A-16DEF00E0E8E}"/>
+                </a:ext>
+              </a:extLst>
+            </p:cNvPr>
+            <p:cNvSpPr/>
+            <p:nvPr/>
+          </p:nvSpPr>
+          <p:spPr>
+            <a:xfrm>
+              <a:off x="4775761" y="235115"/>
+              <a:ext cx="4164478" cy="8718052"/>
+            </a:xfrm>
+            <a:prstGeom prst="rect">
+              <a:avLst/>
+            </a:prstGeom>
+            <a:noFill/>
+            <a:ln w="38100">
+              <a:solidFill>
+                <a:schemeClr val="dk1"/>
+              </a:solidFill>
+            </a:ln>
+          </p:spPr>
+          <p:style>
+            <a:lnRef idx="2">
+              <a:schemeClr val="accent1">
+                <a:shade val="20000"/>
+              </a:schemeClr>
+            </a:lnRef>
+            <a:fillRef idx="1">
+              <a:schemeClr val="accent1"/>
+            </a:fillRef>
+            <a:effectRef idx="0">
+              <a:schemeClr val="accent1"/>
+            </a:effectRef>
+            <a:fontRef idx="minor">
+              <a:schemeClr val="lt1"/>
+            </a:fontRef>
+          </p:style>
+          <p:txBody>
+            <a:bodyPr anchor="ctr"/>
+            <a:lstStyle/>
+            <a:p>
+              <a:pPr algn="ctr">
+                <a:defRPr/>
+              </a:pPr>
+              <a:endParaRPr lang="ko-KR" altLang="en-US"/>
+            </a:p>
+          </p:txBody>
+        </p:sp>
+        <p:sp>
+          <p:nvSpPr>
+            <p:cNvPr id="13" name="Rectangle 12">
+              <a:extLst>
+                <a:ext uri="{FF2B5EF4-FFF2-40B4-BE49-F238E27FC236}">
+                  <a16:creationId xmlns:a16="http://schemas.microsoft.com/office/drawing/2014/main" id="{F0A97E5F-C65E-A5AB-D371-C7D3CBF9D264}"/>
+                </a:ext>
+              </a:extLst>
+            </p:cNvPr>
+            <p:cNvSpPr/>
+            <p:nvPr/>
+          </p:nvSpPr>
+          <p:spPr>
+            <a:xfrm>
+              <a:off x="4754646" y="8652049"/>
+              <a:ext cx="2024331" cy="320168"/>
+            </a:xfrm>
+            <a:prstGeom prst="rect">
+              <a:avLst/>
+            </a:prstGeom>
+            <a:solidFill>
+              <a:schemeClr val="lt1"/>
+            </a:solidFill>
+            <a:ln>
+              <a:solidFill>
+                <a:schemeClr val="lt1"/>
+              </a:solidFill>
+            </a:ln>
+          </p:spPr>
+          <p:style>
+            <a:lnRef idx="2">
+              <a:schemeClr val="accent1">
+                <a:shade val="20000"/>
+              </a:schemeClr>
+            </a:lnRef>
+            <a:fillRef idx="1">
+              <a:schemeClr val="accent1"/>
+            </a:fillRef>
+            <a:effectRef idx="0">
+              <a:schemeClr val="accent1"/>
+            </a:effectRef>
+            <a:fontRef idx="minor">
+              <a:schemeClr val="lt1"/>
+            </a:fontRef>
+          </p:style>
+          <p:txBody>
+            <a:bodyPr anchor="ctr"/>
+            <a:lstStyle/>
+            <a:p>
+              <a:pPr algn="ctr">
+                <a:defRPr/>
+              </a:pPr>
+              <a:endParaRPr lang="ko-KR" altLang="en-US"/>
+            </a:p>
+          </p:txBody>
+        </p:sp>
+        <p:pic>
+          <p:nvPicPr>
+            <p:cNvPr id="14" name="Picture 13">
+              <a:extLst>
+                <a:ext uri="{FF2B5EF4-FFF2-40B4-BE49-F238E27FC236}">
+                  <a16:creationId xmlns:a16="http://schemas.microsoft.com/office/drawing/2014/main" id="{84E3216E-B3B7-B4E3-5A0E-B2A7B61136F1}"/>
+                </a:ext>
+              </a:extLst>
+            </p:cNvPr>
+            <p:cNvPicPr/>
+            <p:nvPr/>
+          </p:nvPicPr>
+          <p:blipFill rotWithShape="1">
+            <a:blip r:embed="rId2"/>
+            <a:stretch>
+              <a:fillRect/>
+            </a:stretch>
+          </p:blipFill>
+          <p:spPr>
+            <a:xfrm>
+              <a:off x="4754646" y="8623476"/>
+              <a:ext cx="1960497" cy="377317"/>
+            </a:xfrm>
+            <a:prstGeom prst="rect">
+              <a:avLst/>
+            </a:prstGeom>
+          </p:spPr>
+        </p:pic>
+        <p:sp>
+          <p:nvSpPr>
+            <p:cNvPr id="15" name="TextBox 14">
+              <a:extLst>
+                <a:ext uri="{FF2B5EF4-FFF2-40B4-BE49-F238E27FC236}">
+                  <a16:creationId xmlns:a16="http://schemas.microsoft.com/office/drawing/2014/main" id="{B90DFEDD-F2C8-132D-5AD7-8AFF12202750}"/>
+                </a:ext>
+              </a:extLst>
+            </p:cNvPr>
+            <p:cNvSpPr txBox="1"/>
+            <p:nvPr/>
+          </p:nvSpPr>
+          <p:spPr>
+            <a:xfrm>
+              <a:off x="4831013" y="1332196"/>
+              <a:ext cx="4109226" cy="2539900"/>
+            </a:xfrm>
+            <a:prstGeom prst="rect">
+              <a:avLst/>
+            </a:prstGeom>
+          </p:spPr>
+          <p:txBody>
+            <a:bodyPr wrap="none" anchor="ctr" anchorCtr="0">
+              <a:noAutofit/>
+            </a:bodyPr>
+            <a:lstStyle/>
+            <a:p>
+              <a:pPr algn="ctr">
+                <a:defRPr/>
+              </a:pPr>
+              <a:r>
+                <a:rPr lang="en-US" altLang="ko-KR" sz="14000" dirty="0">
+                  <a:latin typeface="DSEG14 Classic" panose="02000503000000000000" pitchFamily="2" charset="0"/>
+                </a:rPr>
+                <a:t>09</a:t>
+              </a:r>
+            </a:p>
+          </p:txBody>
+        </p:sp>
+        <p:sp>
+          <p:nvSpPr>
+            <p:cNvPr id="16" name="TextBox 15">
+              <a:extLst>
+                <a:ext uri="{FF2B5EF4-FFF2-40B4-BE49-F238E27FC236}">
+                  <a16:creationId xmlns:a16="http://schemas.microsoft.com/office/drawing/2014/main" id="{A5037030-8742-73C8-B17E-774ED7FA80FE}"/>
+                </a:ext>
+              </a:extLst>
+            </p:cNvPr>
+            <p:cNvSpPr txBox="1"/>
+            <p:nvPr/>
+          </p:nvSpPr>
+          <p:spPr>
+            <a:xfrm>
+              <a:off x="4775761" y="1332196"/>
+              <a:ext cx="4164478" cy="2539900"/>
+            </a:xfrm>
+            <a:prstGeom prst="rect">
+              <a:avLst/>
+            </a:prstGeom>
+          </p:spPr>
+          <p:txBody>
+            <a:bodyPr wrap="none" anchor="ctr" anchorCtr="0">
+              <a:noAutofit/>
+            </a:bodyPr>
+            <a:lstStyle/>
+            <a:p>
+              <a:pPr algn="ctr">
+                <a:defRPr/>
+              </a:pPr>
+              <a:r>
+                <a:rPr lang="en-US" altLang="ko-KR" sz="14000" dirty="0">
+                  <a:solidFill>
+                    <a:schemeClr val="tx1">
+                      <a:alpha val="10000"/>
+                    </a:schemeClr>
+                  </a:solidFill>
+                  <a:latin typeface="DSEG14 Classic" panose="02000503000000000000" pitchFamily="2" charset="0"/>
+                </a:rPr>
+                <a:t>88</a:t>
+              </a:r>
+            </a:p>
+          </p:txBody>
+        </p:sp>
+        <p:cxnSp>
+          <p:nvCxnSpPr>
+            <p:cNvPr id="17" name="Straight Connector 16">
+              <a:extLst>
+                <a:ext uri="{FF2B5EF4-FFF2-40B4-BE49-F238E27FC236}">
+                  <a16:creationId xmlns:a16="http://schemas.microsoft.com/office/drawing/2014/main" id="{E05B67ED-1C2A-F6AD-6092-4FDB7DF74264}"/>
+                </a:ext>
+              </a:extLst>
+            </p:cNvPr>
+            <p:cNvCxnSpPr/>
+            <p:nvPr/>
+          </p:nvCxnSpPr>
+          <p:spPr>
+            <a:xfrm>
+              <a:off x="4775761" y="4594141"/>
+              <a:ext cx="4164478" cy="0"/>
+            </a:xfrm>
+            <a:prstGeom prst="line">
+              <a:avLst/>
+            </a:prstGeom>
+            <a:ln w="38100">
+              <a:solidFill>
+                <a:schemeClr val="dk1"/>
+              </a:solidFill>
+              <a:prstDash val="sysDash"/>
+            </a:ln>
+          </p:spPr>
+          <p:style>
+            <a:lnRef idx="1">
+              <a:schemeClr val="accent1"/>
+            </a:lnRef>
+            <a:fillRef idx="0">
+              <a:schemeClr val="accent1"/>
+            </a:fillRef>
+            <a:effectRef idx="0">
+              <a:schemeClr val="accent1"/>
+            </a:effectRef>
+            <a:fontRef idx="minor">
+              <a:schemeClr val="tx1"/>
+            </a:fontRef>
+          </p:style>
+        </p:cxnSp>
+        <p:sp>
+          <p:nvSpPr>
+            <p:cNvPr id="18" name="TextBox 17">
+              <a:extLst>
+                <a:ext uri="{FF2B5EF4-FFF2-40B4-BE49-F238E27FC236}">
+                  <a16:creationId xmlns:a16="http://schemas.microsoft.com/office/drawing/2014/main" id="{F09B44C8-F416-2D9A-CA10-3F600782C783}"/>
+                </a:ext>
+              </a:extLst>
+            </p:cNvPr>
+            <p:cNvSpPr txBox="1"/>
+            <p:nvPr/>
+          </p:nvSpPr>
+          <p:spPr>
+            <a:xfrm>
+              <a:off x="4775761" y="565149"/>
+              <a:ext cx="4164478" cy="595597"/>
+            </a:xfrm>
+            <a:prstGeom prst="rect">
+              <a:avLst/>
+            </a:prstGeom>
+          </p:spPr>
+          <p:txBody>
+            <a:bodyPr wrap="square" lIns="72009" tIns="72009" rIns="72009" bIns="72009">
+              <a:spAutoFit/>
+            </a:bodyPr>
+            <a:lstStyle/>
+            <a:p>
+              <a:pPr algn="ctr">
+                <a:defRPr/>
+              </a:pPr>
+              <a:r>
+                <a:rPr lang="en-US" altLang="ko-KR" sz="3000">
+                  <a:latin typeface="Bahnschrift Light SemiCondensed"/>
+                </a:rPr>
+                <a:t>S E C T I</a:t>
+              </a:r>
+              <a:r>
+                <a:rPr lang="ko-KR" altLang="en-US" sz="3000">
+                  <a:latin typeface="Bahnschrift Light SemiCondensed"/>
+                </a:rPr>
+                <a:t> </a:t>
+              </a:r>
+              <a:r>
+                <a:rPr lang="en-US" altLang="ko-KR" sz="3000">
+                  <a:latin typeface="Bahnschrift Light SemiCondensed"/>
+                </a:rPr>
+                <a:t>O N</a:t>
+              </a:r>
+            </a:p>
+          </p:txBody>
+        </p:sp>
         <p:grpSp>
           <p:nvGrpSpPr>
-            <p:cNvPr id="25" name="Group 24">
+            <p:cNvPr id="49" name="Group 48">
               <a:extLst>
                 <a:ext uri="{FF2B5EF4-FFF2-40B4-BE49-F238E27FC236}">
-                  <a16:creationId xmlns:a16="http://schemas.microsoft.com/office/drawing/2014/main" id="{CB9DD5D9-5BF6-F7AE-0033-FCA74C1EFE4B}"/>
+                  <a16:creationId xmlns:a16="http://schemas.microsoft.com/office/drawing/2014/main" id="{65343631-99B7-8667-0215-F7D24AF139AF}"/>
                 </a:ext>
               </a:extLst>
             </p:cNvPr>
@@ -13091,18 +13378,18 @@
           </p:nvGrpSpPr>
           <p:grpSpPr>
             <a:xfrm>
-              <a:off x="2852642" y="6837181"/>
-              <a:ext cx="551089" cy="959304"/>
-              <a:chOff x="5699992" y="5827350"/>
-              <a:chExt cx="551089" cy="959304"/>
+              <a:off x="5589221" y="5912126"/>
+              <a:ext cx="2592809" cy="1757873"/>
+              <a:chOff x="5287919" y="5912126"/>
+              <a:chExt cx="2592809" cy="1757873"/>
             </a:xfrm>
           </p:grpSpPr>
           <p:sp>
             <p:nvSpPr>
-              <p:cNvPr id="28" name="Oval 27">
+              <p:cNvPr id="42" name="Rectangle 41">
                 <a:extLst>
                   <a:ext uri="{FF2B5EF4-FFF2-40B4-BE49-F238E27FC236}">
-                    <a16:creationId xmlns:a16="http://schemas.microsoft.com/office/drawing/2014/main" id="{0BC6A9EC-CFE1-C524-79BE-A5B06C26E0DE}"/>
+                    <a16:creationId xmlns:a16="http://schemas.microsoft.com/office/drawing/2014/main" id="{23A37A45-97B6-396E-432A-632578A0953D}"/>
                   </a:ext>
                 </a:extLst>
               </p:cNvPr>
@@ -13111,18 +13398,17 @@
             </p:nvSpPr>
             <p:spPr>
               <a:xfrm>
-                <a:off x="5791840" y="5827350"/>
-                <a:ext cx="367393" cy="367393"/>
+                <a:off x="6347430" y="6064866"/>
+                <a:ext cx="1533298" cy="1221021"/>
               </a:xfrm>
-              <a:prstGeom prst="ellipse">
+              <a:prstGeom prst="rect">
                 <a:avLst/>
               </a:prstGeom>
               <a:noFill/>
               <a:ln w="38100">
                 <a:solidFill>
-                  <a:srgbClr val="FD4545"/>
+                  <a:schemeClr val="dk1"/>
                 </a:solidFill>
-                <a:prstDash val="sysDash"/>
               </a:ln>
             </p:spPr>
             <p:style>
@@ -13142,22 +13428,20 @@
               </a:fontRef>
             </p:style>
             <p:txBody>
-              <a:bodyPr anchor="ctr"/>
+              <a:bodyPr rtlCol="0" anchor="ctr"/>
               <a:lstStyle/>
               <a:p>
-                <a:pPr algn="ctr">
-                  <a:defRPr/>
-                </a:pPr>
+                <a:pPr algn="ctr"/>
                 <a:endParaRPr lang="ko-KR" altLang="en-US"/>
               </a:p>
             </p:txBody>
           </p:sp>
           <p:sp>
             <p:nvSpPr>
-              <p:cNvPr id="32" name="Arrow: Pentagon 31">
+              <p:cNvPr id="46" name="Parallelogram 45">
                 <a:extLst>
                   <a:ext uri="{FF2B5EF4-FFF2-40B4-BE49-F238E27FC236}">
-                    <a16:creationId xmlns:a16="http://schemas.microsoft.com/office/drawing/2014/main" id="{BDF6F30C-3FA2-6908-FF8F-A5E9ED4519D6}"/>
+                    <a16:creationId xmlns:a16="http://schemas.microsoft.com/office/drawing/2014/main" id="{8E640973-C4F7-8351-8740-374145BAF849}"/>
                   </a:ext>
                 </a:extLst>
               </p:cNvPr>
@@ -13165,21 +13449,22 @@
               <p:nvPr/>
             </p:nvSpPr>
             <p:spPr>
-              <a:xfrm rot="16200000">
-                <a:off x="5720403" y="6255975"/>
-                <a:ext cx="510268" cy="551089"/>
+              <a:xfrm rot="5400000">
+                <a:off x="6778011" y="5951799"/>
+                <a:ext cx="781235" cy="914399"/>
               </a:xfrm>
-              <a:prstGeom prst="homePlate">
+              <a:prstGeom prst="parallelogram">
                 <a:avLst>
-                  <a:gd name="adj" fmla="val 28125"/>
+                  <a:gd name="adj" fmla="val 72689"/>
                 </a:avLst>
               </a:prstGeom>
-              <a:noFill/>
+              <a:solidFill>
+                <a:schemeClr val="bg1"/>
+              </a:solidFill>
               <a:ln w="38100">
                 <a:solidFill>
-                  <a:srgbClr val="FD4545"/>
+                  <a:schemeClr val="dk1"/>
                 </a:solidFill>
-                <a:prstDash val="sysDash"/>
               </a:ln>
             </p:spPr>
             <p:style>
@@ -13199,429 +13484,197 @@
               </a:fontRef>
             </p:style>
             <p:txBody>
-              <a:bodyPr anchor="ctr"/>
+              <a:bodyPr rtlCol="0" anchor="ctr"/>
               <a:lstStyle/>
               <a:p>
-                <a:pPr algn="ctr">
-                  <a:defRPr/>
-                </a:pPr>
-                <a:endParaRPr lang="ko-KR" altLang="en-US" dirty="0"/>
+                <a:pPr algn="ctr"/>
+                <a:endParaRPr lang="ko-KR" altLang="en-US"/>
               </a:p>
             </p:txBody>
           </p:sp>
-        </p:grpSp>
-        <p:sp>
-          <p:nvSpPr>
-            <p:cNvPr id="33" name="Rectangle 32">
-              <a:extLst>
-                <a:ext uri="{FF2B5EF4-FFF2-40B4-BE49-F238E27FC236}">
-                  <a16:creationId xmlns:a16="http://schemas.microsoft.com/office/drawing/2014/main" id="{DF7AC3A6-5867-78EC-5BBD-330033DF49E9}"/>
-                </a:ext>
-              </a:extLst>
-            </p:cNvPr>
-            <p:cNvSpPr/>
-            <p:nvPr/>
-          </p:nvSpPr>
-          <p:spPr>
-            <a:xfrm rot="16200000">
-              <a:off x="2852789" y="5611218"/>
-              <a:ext cx="550800" cy="551089"/>
-            </a:xfrm>
-            <a:prstGeom prst="rect">
-              <a:avLst/>
-            </a:prstGeom>
-            <a:noFill/>
-            <a:ln w="38100" cap="flat">
+          <p:sp>
+            <p:nvSpPr>
+              <p:cNvPr id="47" name="Parallelogram 46">
+                <a:extLst>
+                  <a:ext uri="{FF2B5EF4-FFF2-40B4-BE49-F238E27FC236}">
+                    <a16:creationId xmlns:a16="http://schemas.microsoft.com/office/drawing/2014/main" id="{27ED115A-3FBE-1910-DBC0-3338E6057591}"/>
+                  </a:ext>
+                </a:extLst>
+              </p:cNvPr>
+              <p:cNvSpPr/>
+              <p:nvPr/>
+            </p:nvSpPr>
+            <p:spPr>
+              <a:xfrm rot="5400000">
+                <a:off x="5882290" y="5951799"/>
+                <a:ext cx="781235" cy="914399"/>
+              </a:xfrm>
+              <a:prstGeom prst="parallelogram">
+                <a:avLst>
+                  <a:gd name="adj" fmla="val 72689"/>
+                </a:avLst>
+              </a:prstGeom>
               <a:solidFill>
-                <a:schemeClr val="dk1"/>
+                <a:schemeClr val="bg1"/>
               </a:solidFill>
-              <a:prstDash val="sysDash"/>
-            </a:ln>
-          </p:spPr>
-          <p:style>
-            <a:lnRef idx="2">
-              <a:schemeClr val="accent1">
-                <a:shade val="20000"/>
-              </a:schemeClr>
-            </a:lnRef>
-            <a:fillRef idx="1">
-              <a:schemeClr val="accent1"/>
-            </a:fillRef>
-            <a:effectRef idx="0">
-              <a:schemeClr val="accent1"/>
-            </a:effectRef>
-            <a:fontRef idx="minor">
-              <a:schemeClr val="lt1"/>
-            </a:fontRef>
-          </p:style>
-          <p:txBody>
-            <a:bodyPr anchor="ctr"/>
-            <a:lstStyle/>
-            <a:p>
-              <a:pPr algn="ctr">
-                <a:defRPr/>
-              </a:pPr>
-              <a:endParaRPr lang="ko-KR" altLang="en-US" dirty="0"/>
-            </a:p>
-          </p:txBody>
-        </p:sp>
-        <p:cxnSp>
-          <p:nvCxnSpPr>
-            <p:cNvPr id="35" name="Connector: Elbow 34">
-              <a:extLst>
-                <a:ext uri="{FF2B5EF4-FFF2-40B4-BE49-F238E27FC236}">
-                  <a16:creationId xmlns:a16="http://schemas.microsoft.com/office/drawing/2014/main" id="{4C24EDB8-9587-8CAE-AF32-05EF0B27C63C}"/>
-                </a:ext>
-              </a:extLst>
-            </p:cNvPr>
-            <p:cNvCxnSpPr>
-              <a:cxnSpLocks/>
-              <a:stCxn id="11" idx="2"/>
-              <a:endCxn id="33" idx="0"/>
-            </p:cNvCxnSpPr>
-            <p:nvPr/>
-          </p:nvCxnSpPr>
-          <p:spPr>
-            <a:xfrm flipV="1">
-              <a:off x="1724908" y="5886763"/>
-              <a:ext cx="1127737" cy="1720930"/>
-            </a:xfrm>
-            <a:prstGeom prst="bentConnector3">
-              <a:avLst/>
-            </a:prstGeom>
-            <a:ln w="38100" cap="rnd">
+              <a:ln w="38100">
+                <a:solidFill>
+                  <a:schemeClr val="dk1"/>
+                </a:solidFill>
+              </a:ln>
+            </p:spPr>
+            <p:style>
+              <a:lnRef idx="2">
+                <a:schemeClr val="accent1">
+                  <a:shade val="20000"/>
+                </a:schemeClr>
+              </a:lnRef>
+              <a:fillRef idx="1">
+                <a:schemeClr val="accent1"/>
+              </a:fillRef>
+              <a:effectRef idx="0">
+                <a:schemeClr val="accent1"/>
+              </a:effectRef>
+              <a:fontRef idx="minor">
+                <a:schemeClr val="lt1"/>
+              </a:fontRef>
+            </p:style>
+            <p:txBody>
+              <a:bodyPr rtlCol="0" anchor="ctr"/>
+              <a:lstStyle/>
+              <a:p>
+                <a:pPr algn="ctr"/>
+                <a:endParaRPr lang="ko-KR" altLang="en-US"/>
+              </a:p>
+            </p:txBody>
+          </p:sp>
+          <p:sp>
+            <p:nvSpPr>
+              <p:cNvPr id="45" name="Cylinder 44">
+                <a:extLst>
+                  <a:ext uri="{FF2B5EF4-FFF2-40B4-BE49-F238E27FC236}">
+                    <a16:creationId xmlns:a16="http://schemas.microsoft.com/office/drawing/2014/main" id="{2E69AB21-6638-1F10-95C6-D585BD52F11D}"/>
+                  </a:ext>
+                </a:extLst>
+              </p:cNvPr>
+              <p:cNvSpPr/>
+              <p:nvPr/>
+            </p:nvSpPr>
+            <p:spPr>
+              <a:xfrm rot="5400000">
+                <a:off x="6099297" y="5354886"/>
+                <a:ext cx="418818" cy="1533298"/>
+              </a:xfrm>
+              <a:prstGeom prst="can">
+                <a:avLst>
+                  <a:gd name="adj" fmla="val 41949"/>
+                </a:avLst>
+              </a:prstGeom>
               <a:solidFill>
-                <a:schemeClr val="dk1"/>
+                <a:schemeClr val="bg1"/>
               </a:solidFill>
-              <a:tailEnd type="triangle"/>
-            </a:ln>
-          </p:spPr>
-          <p:style>
-            <a:lnRef idx="1">
-              <a:schemeClr val="accent1"/>
-            </a:lnRef>
-            <a:fillRef idx="0">
-              <a:schemeClr val="accent1"/>
-            </a:fillRef>
-            <a:effectRef idx="0">
-              <a:schemeClr val="accent1"/>
-            </a:effectRef>
-            <a:fontRef idx="minor">
-              <a:schemeClr val="tx1"/>
-            </a:fontRef>
-          </p:style>
-        </p:cxnSp>
-      </p:grpSp>
-      <p:grpSp>
-        <p:nvGrpSpPr>
-          <p:cNvPr id="49" name="Group 48">
-            <a:extLst>
-              <a:ext uri="{FF2B5EF4-FFF2-40B4-BE49-F238E27FC236}">
-                <a16:creationId xmlns:a16="http://schemas.microsoft.com/office/drawing/2014/main" id="{65343631-99B7-8667-0215-F7D24AF139AF}"/>
-              </a:ext>
-            </a:extLst>
-          </p:cNvPr>
-          <p:cNvGrpSpPr/>
-          <p:nvPr/>
-        </p:nvGrpSpPr>
-        <p:grpSpPr>
-          <a:xfrm>
-            <a:off x="5589221" y="5912126"/>
-            <a:ext cx="2592809" cy="1757873"/>
-            <a:chOff x="5287919" y="5912126"/>
-            <a:chExt cx="2592809" cy="1757873"/>
-          </a:xfrm>
-        </p:grpSpPr>
-        <p:sp>
-          <p:nvSpPr>
-            <p:cNvPr id="42" name="Rectangle 41">
-              <a:extLst>
-                <a:ext uri="{FF2B5EF4-FFF2-40B4-BE49-F238E27FC236}">
-                  <a16:creationId xmlns:a16="http://schemas.microsoft.com/office/drawing/2014/main" id="{23A37A45-97B6-396E-432A-632578A0953D}"/>
-                </a:ext>
-              </a:extLst>
-            </p:cNvPr>
-            <p:cNvSpPr/>
-            <p:nvPr/>
-          </p:nvSpPr>
-          <p:spPr>
-            <a:xfrm>
-              <a:off x="6347430" y="6064866"/>
-              <a:ext cx="1533298" cy="1221021"/>
-            </a:xfrm>
-            <a:prstGeom prst="rect">
-              <a:avLst/>
-            </a:prstGeom>
-            <a:noFill/>
-            <a:ln w="38100">
-              <a:solidFill>
-                <a:schemeClr val="dk1"/>
-              </a:solidFill>
-            </a:ln>
-          </p:spPr>
-          <p:style>
-            <a:lnRef idx="2">
-              <a:schemeClr val="accent1">
-                <a:shade val="20000"/>
-              </a:schemeClr>
-            </a:lnRef>
-            <a:fillRef idx="1">
-              <a:schemeClr val="accent1"/>
-            </a:fillRef>
-            <a:effectRef idx="0">
-              <a:schemeClr val="accent1"/>
-            </a:effectRef>
-            <a:fontRef idx="minor">
-              <a:schemeClr val="lt1"/>
-            </a:fontRef>
-          </p:style>
-          <p:txBody>
-            <a:bodyPr rtlCol="0" anchor="ctr"/>
-            <a:lstStyle/>
-            <a:p>
-              <a:pPr algn="ctr"/>
-              <a:endParaRPr lang="ko-KR" altLang="en-US"/>
-            </a:p>
-          </p:txBody>
-        </p:sp>
-        <p:sp>
-          <p:nvSpPr>
-            <p:cNvPr id="46" name="Parallelogram 45">
-              <a:extLst>
-                <a:ext uri="{FF2B5EF4-FFF2-40B4-BE49-F238E27FC236}">
-                  <a16:creationId xmlns:a16="http://schemas.microsoft.com/office/drawing/2014/main" id="{8E640973-C4F7-8351-8740-374145BAF849}"/>
-                </a:ext>
-              </a:extLst>
-            </p:cNvPr>
-            <p:cNvSpPr/>
-            <p:nvPr/>
-          </p:nvSpPr>
-          <p:spPr>
-            <a:xfrm rot="5400000">
-              <a:off x="6778011" y="5951799"/>
-              <a:ext cx="781235" cy="914399"/>
-            </a:xfrm>
-            <a:prstGeom prst="parallelogram">
-              <a:avLst>
-                <a:gd name="adj" fmla="val 72689"/>
-              </a:avLst>
-            </a:prstGeom>
-            <a:solidFill>
-              <a:schemeClr val="bg1"/>
-            </a:solidFill>
-            <a:ln w="38100">
-              <a:solidFill>
-                <a:schemeClr val="dk1"/>
-              </a:solidFill>
-            </a:ln>
-          </p:spPr>
-          <p:style>
-            <a:lnRef idx="2">
-              <a:schemeClr val="accent1">
-                <a:shade val="20000"/>
-              </a:schemeClr>
-            </a:lnRef>
-            <a:fillRef idx="1">
-              <a:schemeClr val="accent1"/>
-            </a:fillRef>
-            <a:effectRef idx="0">
-              <a:schemeClr val="accent1"/>
-            </a:effectRef>
-            <a:fontRef idx="minor">
-              <a:schemeClr val="lt1"/>
-            </a:fontRef>
-          </p:style>
-          <p:txBody>
-            <a:bodyPr rtlCol="0" anchor="ctr"/>
-            <a:lstStyle/>
-            <a:p>
-              <a:pPr algn="ctr"/>
-              <a:endParaRPr lang="ko-KR" altLang="en-US"/>
-            </a:p>
-          </p:txBody>
-        </p:sp>
-        <p:sp>
-          <p:nvSpPr>
-            <p:cNvPr id="47" name="Parallelogram 46">
-              <a:extLst>
-                <a:ext uri="{FF2B5EF4-FFF2-40B4-BE49-F238E27FC236}">
-                  <a16:creationId xmlns:a16="http://schemas.microsoft.com/office/drawing/2014/main" id="{27ED115A-3FBE-1910-DBC0-3338E6057591}"/>
-                </a:ext>
-              </a:extLst>
-            </p:cNvPr>
-            <p:cNvSpPr/>
-            <p:nvPr/>
-          </p:nvSpPr>
-          <p:spPr>
-            <a:xfrm rot="5400000">
-              <a:off x="5882290" y="5951799"/>
-              <a:ext cx="781235" cy="914399"/>
-            </a:xfrm>
-            <a:prstGeom prst="parallelogram">
-              <a:avLst>
-                <a:gd name="adj" fmla="val 72689"/>
-              </a:avLst>
-            </a:prstGeom>
-            <a:solidFill>
-              <a:schemeClr val="bg1"/>
-            </a:solidFill>
-            <a:ln w="38100">
-              <a:solidFill>
-                <a:schemeClr val="dk1"/>
-              </a:solidFill>
-            </a:ln>
-          </p:spPr>
-          <p:style>
-            <a:lnRef idx="2">
-              <a:schemeClr val="accent1">
-                <a:shade val="20000"/>
-              </a:schemeClr>
-            </a:lnRef>
-            <a:fillRef idx="1">
-              <a:schemeClr val="accent1"/>
-            </a:fillRef>
-            <a:effectRef idx="0">
-              <a:schemeClr val="accent1"/>
-            </a:effectRef>
-            <a:fontRef idx="minor">
-              <a:schemeClr val="lt1"/>
-            </a:fontRef>
-          </p:style>
-          <p:txBody>
-            <a:bodyPr rtlCol="0" anchor="ctr"/>
-            <a:lstStyle/>
-            <a:p>
-              <a:pPr algn="ctr"/>
-              <a:endParaRPr lang="ko-KR" altLang="en-US"/>
-            </a:p>
-          </p:txBody>
-        </p:sp>
-        <p:sp>
-          <p:nvSpPr>
-            <p:cNvPr id="45" name="Cylinder 44">
-              <a:extLst>
-                <a:ext uri="{FF2B5EF4-FFF2-40B4-BE49-F238E27FC236}">
-                  <a16:creationId xmlns:a16="http://schemas.microsoft.com/office/drawing/2014/main" id="{2E69AB21-6638-1F10-95C6-D585BD52F11D}"/>
-                </a:ext>
-              </a:extLst>
-            </p:cNvPr>
-            <p:cNvSpPr/>
-            <p:nvPr/>
-          </p:nvSpPr>
-          <p:spPr>
-            <a:xfrm rot="5400000">
-              <a:off x="6099297" y="5354886"/>
-              <a:ext cx="418818" cy="1533298"/>
-            </a:xfrm>
-            <a:prstGeom prst="can">
-              <a:avLst>
-                <a:gd name="adj" fmla="val 41949"/>
-              </a:avLst>
-            </a:prstGeom>
-            <a:solidFill>
-              <a:schemeClr val="bg1"/>
-            </a:solidFill>
-            <a:ln w="38100">
-              <a:solidFill>
-                <a:schemeClr val="dk1"/>
-              </a:solidFill>
-            </a:ln>
-          </p:spPr>
-          <p:style>
-            <a:lnRef idx="2">
-              <a:schemeClr val="accent1">
-                <a:shade val="20000"/>
-              </a:schemeClr>
-            </a:lnRef>
-            <a:fillRef idx="1">
-              <a:schemeClr val="accent1"/>
-            </a:fillRef>
-            <a:effectRef idx="0">
-              <a:schemeClr val="accent1"/>
-            </a:effectRef>
-            <a:fontRef idx="minor">
-              <a:schemeClr val="lt1"/>
-            </a:fontRef>
-          </p:style>
-          <p:txBody>
-            <a:bodyPr rtlCol="0" anchor="ctr"/>
-            <a:lstStyle/>
-            <a:p>
-              <a:pPr algn="ctr"/>
-              <a:endParaRPr lang="ko-KR" altLang="en-US"/>
-            </a:p>
-          </p:txBody>
-        </p:sp>
-        <p:sp>
-          <p:nvSpPr>
-            <p:cNvPr id="48" name="Isosceles Triangle 47">
-              <a:extLst>
-                <a:ext uri="{FF2B5EF4-FFF2-40B4-BE49-F238E27FC236}">
-                  <a16:creationId xmlns:a16="http://schemas.microsoft.com/office/drawing/2014/main" id="{6EA3EEDA-D103-33F0-E7C6-4317B6487392}"/>
-                </a:ext>
-              </a:extLst>
-            </p:cNvPr>
-            <p:cNvSpPr/>
-            <p:nvPr/>
-          </p:nvSpPr>
-          <p:spPr>
-            <a:xfrm>
-              <a:off x="5287919" y="6938536"/>
-              <a:ext cx="848496" cy="731463"/>
-            </a:xfrm>
-            <a:prstGeom prst="triangle">
-              <a:avLst/>
-            </a:prstGeom>
-            <a:noFill/>
-            <a:ln w="38100">
-              <a:solidFill>
-                <a:schemeClr val="dk1"/>
-              </a:solidFill>
-            </a:ln>
-          </p:spPr>
-          <p:style>
-            <a:lnRef idx="2">
-              <a:schemeClr val="accent1">
-                <a:shade val="20000"/>
-              </a:schemeClr>
-            </a:lnRef>
-            <a:fillRef idx="1">
-              <a:schemeClr val="accent1"/>
-            </a:fillRef>
-            <a:effectRef idx="0">
-              <a:schemeClr val="accent1"/>
-            </a:effectRef>
-            <a:fontRef idx="minor">
-              <a:schemeClr val="lt1"/>
-            </a:fontRef>
-          </p:style>
-          <p:txBody>
-            <a:bodyPr wrap="none" lIns="0" tIns="0" rIns="0" bIns="0" rtlCol="0" anchor="b" anchorCtr="0"/>
-            <a:lstStyle/>
-            <a:p>
-              <a:pPr algn="ctr"/>
-              <a:r>
-                <a:rPr lang="en-US" altLang="ko-KR" sz="4000" dirty="0">
+              <a:ln w="38100">
+                <a:solidFill>
+                  <a:schemeClr val="dk1"/>
+                </a:solidFill>
+              </a:ln>
+            </p:spPr>
+            <p:style>
+              <a:lnRef idx="2">
+                <a:schemeClr val="accent1">
+                  <a:shade val="20000"/>
+                </a:schemeClr>
+              </a:lnRef>
+              <a:fillRef idx="1">
+                <a:schemeClr val="accent1"/>
+              </a:fillRef>
+              <a:effectRef idx="0">
+                <a:schemeClr val="accent1"/>
+              </a:effectRef>
+              <a:fontRef idx="minor">
+                <a:schemeClr val="lt1"/>
+              </a:fontRef>
+            </p:style>
+            <p:txBody>
+              <a:bodyPr rtlCol="0" anchor="ctr"/>
+              <a:lstStyle/>
+              <a:p>
+                <a:pPr algn="ctr"/>
+                <a:endParaRPr lang="ko-KR" altLang="en-US"/>
+              </a:p>
+            </p:txBody>
+          </p:sp>
+          <p:sp>
+            <p:nvSpPr>
+              <p:cNvPr id="48" name="Isosceles Triangle 47">
+                <a:extLst>
+                  <a:ext uri="{FF2B5EF4-FFF2-40B4-BE49-F238E27FC236}">
+                    <a16:creationId xmlns:a16="http://schemas.microsoft.com/office/drawing/2014/main" id="{6EA3EEDA-D103-33F0-E7C6-4317B6487392}"/>
+                  </a:ext>
+                </a:extLst>
+              </p:cNvPr>
+              <p:cNvSpPr/>
+              <p:nvPr/>
+            </p:nvSpPr>
+            <p:spPr>
+              <a:xfrm>
+                <a:off x="5287919" y="6938536"/>
+                <a:ext cx="848496" cy="731463"/>
+              </a:xfrm>
+              <a:prstGeom prst="triangle">
+                <a:avLst/>
+              </a:prstGeom>
+              <a:noFill/>
+              <a:ln w="38100">
+                <a:solidFill>
+                  <a:schemeClr val="dk1"/>
+                </a:solidFill>
+              </a:ln>
+            </p:spPr>
+            <p:style>
+              <a:lnRef idx="2">
+                <a:schemeClr val="accent1">
+                  <a:shade val="20000"/>
+                </a:schemeClr>
+              </a:lnRef>
+              <a:fillRef idx="1">
+                <a:schemeClr val="accent1"/>
+              </a:fillRef>
+              <a:effectRef idx="0">
+                <a:schemeClr val="accent1"/>
+              </a:effectRef>
+              <a:fontRef idx="minor">
+                <a:schemeClr val="lt1"/>
+              </a:fontRef>
+            </p:style>
+            <p:txBody>
+              <a:bodyPr wrap="none" lIns="0" tIns="0" rIns="0" bIns="0" rtlCol="0" anchor="b" anchorCtr="0"/>
+              <a:lstStyle/>
+              <a:p>
+                <a:pPr algn="ctr"/>
+                <a:r>
+                  <a:rPr lang="en-US" altLang="ko-KR" sz="4000" dirty="0">
+                    <a:solidFill>
+                      <a:schemeClr val="tx1"/>
+                    </a:solidFill>
+                    <a:latin typeface="Pretendard Medium" panose="02000603000000020004" pitchFamily="50" charset="-127"/>
+                    <a:ea typeface="Pretendard Medium" panose="02000603000000020004" pitchFamily="50" charset="-127"/>
+                    <a:cs typeface="Pretendard Medium" panose="02000603000000020004" pitchFamily="50" charset="-127"/>
+                  </a:rPr>
+                  <a:t>!</a:t>
+                </a:r>
+                <a:endParaRPr lang="ko-KR" altLang="en-US" sz="4000" dirty="0">
                   <a:solidFill>
                     <a:schemeClr val="tx1"/>
                   </a:solidFill>
                   <a:latin typeface="Pretendard Medium" panose="02000603000000020004" pitchFamily="50" charset="-127"/>
                   <a:ea typeface="Pretendard Medium" panose="02000603000000020004" pitchFamily="50" charset="-127"/>
                   <a:cs typeface="Pretendard Medium" panose="02000603000000020004" pitchFamily="50" charset="-127"/>
-                </a:rPr>
-                <a:t>!</a:t>
-              </a:r>
-              <a:endParaRPr lang="ko-KR" altLang="en-US" sz="4000" dirty="0">
-                <a:solidFill>
-                  <a:schemeClr val="tx1"/>
-                </a:solidFill>
-                <a:latin typeface="Pretendard Medium" panose="02000603000000020004" pitchFamily="50" charset="-127"/>
-                <a:ea typeface="Pretendard Medium" panose="02000603000000020004" pitchFamily="50" charset="-127"/>
-                <a:cs typeface="Pretendard Medium" panose="02000603000000020004" pitchFamily="50" charset="-127"/>
-              </a:endParaRPr>
-            </a:p>
-          </p:txBody>
-        </p:sp>
+                </a:endParaRPr>
+              </a:p>
+            </p:txBody>
+          </p:sp>
+        </p:grpSp>
       </p:grpSp>
     </p:spTree>
     <p:extLst>
@@ -16915,6 +16968,493 @@
           </p:style>
         </p:cxnSp>
       </p:grpSp>
+      <p:grpSp>
+        <p:nvGrpSpPr>
+          <p:cNvPr id="73" name="Group 72">
+            <a:extLst>
+              <a:ext uri="{FF2B5EF4-FFF2-40B4-BE49-F238E27FC236}">
+                <a16:creationId xmlns:a16="http://schemas.microsoft.com/office/drawing/2014/main" id="{EB3A64EB-3BB5-A036-1274-7985516B1FD9}"/>
+              </a:ext>
+            </a:extLst>
+          </p:cNvPr>
+          <p:cNvGrpSpPr/>
+          <p:nvPr/>
+        </p:nvGrpSpPr>
+        <p:grpSpPr>
+          <a:xfrm>
+            <a:off x="9759200" y="0"/>
+            <a:ext cx="1625600" cy="1625600"/>
+            <a:chOff x="9759200" y="0"/>
+            <a:chExt cx="1625600" cy="1625600"/>
+          </a:xfrm>
+        </p:grpSpPr>
+        <p:grpSp>
+          <p:nvGrpSpPr>
+            <p:cNvPr id="18" name="Group 17">
+              <a:extLst>
+                <a:ext uri="{FF2B5EF4-FFF2-40B4-BE49-F238E27FC236}">
+                  <a16:creationId xmlns:a16="http://schemas.microsoft.com/office/drawing/2014/main" id="{4D686DBE-8EC9-1D70-BDE4-5A2A10DF4173}"/>
+                </a:ext>
+              </a:extLst>
+            </p:cNvPr>
+            <p:cNvGrpSpPr/>
+            <p:nvPr/>
+          </p:nvGrpSpPr>
+          <p:grpSpPr>
+            <a:xfrm>
+              <a:off x="9759200" y="0"/>
+              <a:ext cx="1625600" cy="1625600"/>
+              <a:chOff x="0" y="0"/>
+              <a:chExt cx="1625600" cy="1625600"/>
+            </a:xfrm>
+          </p:grpSpPr>
+          <p:sp>
+            <p:nvSpPr>
+              <p:cNvPr id="55" name="Rectangle 54">
+                <a:extLst>
+                  <a:ext uri="{FF2B5EF4-FFF2-40B4-BE49-F238E27FC236}">
+                    <a16:creationId xmlns:a16="http://schemas.microsoft.com/office/drawing/2014/main" id="{DC48C609-6A2B-908E-575C-9788A6250552}"/>
+                  </a:ext>
+                </a:extLst>
+              </p:cNvPr>
+              <p:cNvSpPr/>
+              <p:nvPr/>
+            </p:nvSpPr>
+            <p:spPr>
+              <a:xfrm>
+                <a:off x="0" y="0"/>
+                <a:ext cx="1625600" cy="1625600"/>
+              </a:xfrm>
+              <a:prstGeom prst="rect">
+                <a:avLst/>
+              </a:prstGeom>
+              <a:solidFill>
+                <a:schemeClr val="bg1"/>
+              </a:solidFill>
+              <a:ln>
+                <a:noFill/>
+              </a:ln>
+            </p:spPr>
+            <p:style>
+              <a:lnRef idx="2">
+                <a:schemeClr val="accent1">
+                  <a:shade val="20000"/>
+                </a:schemeClr>
+              </a:lnRef>
+              <a:fillRef idx="1">
+                <a:schemeClr val="accent1"/>
+              </a:fillRef>
+              <a:effectRef idx="0">
+                <a:schemeClr val="accent1"/>
+              </a:effectRef>
+              <a:fontRef idx="minor">
+                <a:schemeClr val="lt1"/>
+              </a:fontRef>
+            </p:style>
+            <p:txBody>
+              <a:bodyPr wrap="none" lIns="108000" tIns="0" rIns="108000" bIns="144000" rtlCol="0" anchor="ctr"/>
+              <a:lstStyle/>
+              <a:p>
+                <a:pPr algn="ctr"/>
+                <a:endParaRPr lang="ko-KR" altLang="en-US" sz="5400" dirty="0">
+                  <a:solidFill>
+                    <a:schemeClr val="tx1"/>
+                  </a:solidFill>
+                  <a:latin typeface="DSEG14 Classic" panose="02000503000000000000" pitchFamily="2" charset="0"/>
+                </a:endParaRPr>
+              </a:p>
+            </p:txBody>
+          </p:sp>
+          <p:sp>
+            <p:nvSpPr>
+              <p:cNvPr id="56" name="Rectangle 55">
+                <a:extLst>
+                  <a:ext uri="{FF2B5EF4-FFF2-40B4-BE49-F238E27FC236}">
+                    <a16:creationId xmlns:a16="http://schemas.microsoft.com/office/drawing/2014/main" id="{65B41ACC-7F99-C3EE-6484-8F594AA6CA81}"/>
+                  </a:ext>
+                </a:extLst>
+              </p:cNvPr>
+              <p:cNvSpPr>
+                <a:spLocks noChangeAspect="1"/>
+              </p:cNvSpPr>
+              <p:nvPr/>
+            </p:nvSpPr>
+            <p:spPr>
+              <a:xfrm>
+                <a:off x="88900" y="88900"/>
+                <a:ext cx="1447800" cy="1447800"/>
+              </a:xfrm>
+              <a:prstGeom prst="rect">
+                <a:avLst/>
+              </a:prstGeom>
+              <a:noFill/>
+              <a:ln w="25400">
+                <a:solidFill>
+                  <a:schemeClr val="tx1"/>
+                </a:solidFill>
+              </a:ln>
+            </p:spPr>
+            <p:style>
+              <a:lnRef idx="2">
+                <a:schemeClr val="accent1">
+                  <a:shade val="20000"/>
+                </a:schemeClr>
+              </a:lnRef>
+              <a:fillRef idx="1">
+                <a:schemeClr val="accent1"/>
+              </a:fillRef>
+              <a:effectRef idx="0">
+                <a:schemeClr val="accent1"/>
+              </a:effectRef>
+              <a:fontRef idx="minor">
+                <a:schemeClr val="lt1"/>
+              </a:fontRef>
+            </p:style>
+            <p:txBody>
+              <a:bodyPr rtlCol="0" anchor="ctr"/>
+              <a:lstStyle/>
+              <a:p>
+                <a:pPr algn="ctr"/>
+                <a:endParaRPr lang="ko-KR" altLang="en-US"/>
+              </a:p>
+            </p:txBody>
+          </p:sp>
+        </p:grpSp>
+        <p:sp>
+          <p:nvSpPr>
+            <p:cNvPr id="64" name="Rectangle 63">
+              <a:extLst>
+                <a:ext uri="{FF2B5EF4-FFF2-40B4-BE49-F238E27FC236}">
+                  <a16:creationId xmlns:a16="http://schemas.microsoft.com/office/drawing/2014/main" id="{FECBC377-BC03-CF55-F2DB-694E64C94E24}"/>
+                </a:ext>
+              </a:extLst>
+            </p:cNvPr>
+            <p:cNvSpPr/>
+            <p:nvPr/>
+          </p:nvSpPr>
+          <p:spPr>
+            <a:xfrm rot="16200000">
+              <a:off x="10311000" y="551091"/>
+              <a:ext cx="522000" cy="523418"/>
+            </a:xfrm>
+            <a:prstGeom prst="rect">
+              <a:avLst/>
+            </a:prstGeom>
+            <a:noFill/>
+            <a:ln w="38100" cap="flat">
+              <a:solidFill>
+                <a:schemeClr val="dk1"/>
+              </a:solidFill>
+              <a:prstDash val="solid"/>
+            </a:ln>
+          </p:spPr>
+          <p:style>
+            <a:lnRef idx="2">
+              <a:schemeClr val="accent1">
+                <a:shade val="20000"/>
+              </a:schemeClr>
+            </a:lnRef>
+            <a:fillRef idx="1">
+              <a:schemeClr val="accent1"/>
+            </a:fillRef>
+            <a:effectRef idx="0">
+              <a:schemeClr val="accent1"/>
+            </a:effectRef>
+            <a:fontRef idx="minor">
+              <a:schemeClr val="lt1"/>
+            </a:fontRef>
+          </p:style>
+          <p:txBody>
+            <a:bodyPr anchor="ctr"/>
+            <a:lstStyle/>
+            <a:p>
+              <a:pPr algn="ctr">
+                <a:defRPr/>
+              </a:pPr>
+              <a:endParaRPr lang="ko-KR" altLang="en-US"/>
+            </a:p>
+          </p:txBody>
+        </p:sp>
+        <p:cxnSp>
+          <p:nvCxnSpPr>
+            <p:cNvPr id="65" name="Straight Connector 64">
+              <a:extLst>
+                <a:ext uri="{FF2B5EF4-FFF2-40B4-BE49-F238E27FC236}">
+                  <a16:creationId xmlns:a16="http://schemas.microsoft.com/office/drawing/2014/main" id="{E9A72A01-771A-44C1-1475-8DE3F819BE8A}"/>
+                </a:ext>
+              </a:extLst>
+            </p:cNvPr>
+            <p:cNvCxnSpPr>
+              <a:cxnSpLocks/>
+            </p:cNvCxnSpPr>
+            <p:nvPr/>
+          </p:nvCxnSpPr>
+          <p:spPr>
+            <a:xfrm flipH="1" flipV="1">
+              <a:off x="10689709" y="929248"/>
+              <a:ext cx="144000" cy="144000"/>
+            </a:xfrm>
+            <a:prstGeom prst="line">
+              <a:avLst/>
+            </a:prstGeom>
+            <a:ln w="38100" cap="rnd">
+              <a:solidFill>
+                <a:schemeClr val="dk1"/>
+              </a:solidFill>
+            </a:ln>
+          </p:spPr>
+          <p:style>
+            <a:lnRef idx="1">
+              <a:schemeClr val="accent1"/>
+            </a:lnRef>
+            <a:fillRef idx="0">
+              <a:schemeClr val="accent1"/>
+            </a:fillRef>
+            <a:effectRef idx="0">
+              <a:schemeClr val="accent1"/>
+            </a:effectRef>
+            <a:fontRef idx="minor">
+              <a:schemeClr val="tx1"/>
+            </a:fontRef>
+          </p:style>
+        </p:cxnSp>
+        <p:cxnSp>
+          <p:nvCxnSpPr>
+            <p:cNvPr id="67" name="Straight Connector 66">
+              <a:extLst>
+                <a:ext uri="{FF2B5EF4-FFF2-40B4-BE49-F238E27FC236}">
+                  <a16:creationId xmlns:a16="http://schemas.microsoft.com/office/drawing/2014/main" id="{B796B45E-17F8-8C1F-12C0-3538D35E9901}"/>
+                </a:ext>
+              </a:extLst>
+            </p:cNvPr>
+            <p:cNvCxnSpPr>
+              <a:cxnSpLocks/>
+            </p:cNvCxnSpPr>
+            <p:nvPr/>
+          </p:nvCxnSpPr>
+          <p:spPr>
+            <a:xfrm flipH="1" flipV="1">
+              <a:off x="10322091" y="551800"/>
+              <a:ext cx="144000" cy="144000"/>
+            </a:xfrm>
+            <a:prstGeom prst="line">
+              <a:avLst/>
+            </a:prstGeom>
+            <a:ln w="38100" cap="rnd">
+              <a:solidFill>
+                <a:schemeClr val="dk1"/>
+              </a:solidFill>
+            </a:ln>
+          </p:spPr>
+          <p:style>
+            <a:lnRef idx="1">
+              <a:schemeClr val="accent1"/>
+            </a:lnRef>
+            <a:fillRef idx="0">
+              <a:schemeClr val="accent1"/>
+            </a:fillRef>
+            <a:effectRef idx="0">
+              <a:schemeClr val="accent1"/>
+            </a:effectRef>
+            <a:fontRef idx="minor">
+              <a:schemeClr val="tx1"/>
+            </a:fontRef>
+          </p:style>
+        </p:cxnSp>
+        <p:cxnSp>
+          <p:nvCxnSpPr>
+            <p:cNvPr id="68" name="Straight Connector 67">
+              <a:extLst>
+                <a:ext uri="{FF2B5EF4-FFF2-40B4-BE49-F238E27FC236}">
+                  <a16:creationId xmlns:a16="http://schemas.microsoft.com/office/drawing/2014/main" id="{0213982E-06B3-4C1E-53CC-B42C69135232}"/>
+                </a:ext>
+              </a:extLst>
+            </p:cNvPr>
+            <p:cNvCxnSpPr>
+              <a:cxnSpLocks/>
+            </p:cNvCxnSpPr>
+            <p:nvPr/>
+          </p:nvCxnSpPr>
+          <p:spPr>
+            <a:xfrm rot="5400000" flipH="1" flipV="1">
+              <a:off x="10165491" y="1073248"/>
+              <a:ext cx="144000" cy="144000"/>
+            </a:xfrm>
+            <a:prstGeom prst="line">
+              <a:avLst/>
+            </a:prstGeom>
+            <a:ln w="38100" cap="rnd">
+              <a:solidFill>
+                <a:schemeClr val="dk1"/>
+              </a:solidFill>
+            </a:ln>
+          </p:spPr>
+          <p:style>
+            <a:lnRef idx="1">
+              <a:schemeClr val="accent1"/>
+            </a:lnRef>
+            <a:fillRef idx="0">
+              <a:schemeClr val="accent1"/>
+            </a:fillRef>
+            <a:effectRef idx="0">
+              <a:schemeClr val="accent1"/>
+            </a:effectRef>
+            <a:fontRef idx="minor">
+              <a:schemeClr val="tx1"/>
+            </a:fontRef>
+          </p:style>
+        </p:cxnSp>
+        <p:cxnSp>
+          <p:nvCxnSpPr>
+            <p:cNvPr id="69" name="Straight Connector 68">
+              <a:extLst>
+                <a:ext uri="{FF2B5EF4-FFF2-40B4-BE49-F238E27FC236}">
+                  <a16:creationId xmlns:a16="http://schemas.microsoft.com/office/drawing/2014/main" id="{EBA8F2FA-E015-6BA5-E23B-9420EA94BE04}"/>
+                </a:ext>
+              </a:extLst>
+            </p:cNvPr>
+            <p:cNvCxnSpPr>
+              <a:cxnSpLocks/>
+            </p:cNvCxnSpPr>
+            <p:nvPr/>
+          </p:nvCxnSpPr>
+          <p:spPr>
+            <a:xfrm rot="5400000" flipH="1" flipV="1">
+              <a:off x="10833709" y="407800"/>
+              <a:ext cx="144000" cy="144000"/>
+            </a:xfrm>
+            <a:prstGeom prst="line">
+              <a:avLst/>
+            </a:prstGeom>
+            <a:ln w="38100" cap="rnd">
+              <a:solidFill>
+                <a:schemeClr val="dk1"/>
+              </a:solidFill>
+            </a:ln>
+          </p:spPr>
+          <p:style>
+            <a:lnRef idx="1">
+              <a:schemeClr val="accent1"/>
+            </a:lnRef>
+            <a:fillRef idx="0">
+              <a:schemeClr val="accent1"/>
+            </a:fillRef>
+            <a:effectRef idx="0">
+              <a:schemeClr val="accent1"/>
+            </a:effectRef>
+            <a:fontRef idx="minor">
+              <a:schemeClr val="tx1"/>
+            </a:fontRef>
+          </p:style>
+        </p:cxnSp>
+        <p:sp>
+          <p:nvSpPr>
+            <p:cNvPr id="71" name="Rectangle 70">
+              <a:extLst>
+                <a:ext uri="{FF2B5EF4-FFF2-40B4-BE49-F238E27FC236}">
+                  <a16:creationId xmlns:a16="http://schemas.microsoft.com/office/drawing/2014/main" id="{62C71BD2-9CFC-C80B-62C4-2DE76AAD9100}"/>
+                </a:ext>
+              </a:extLst>
+            </p:cNvPr>
+            <p:cNvSpPr/>
+            <p:nvPr/>
+          </p:nvSpPr>
+          <p:spPr>
+            <a:xfrm rot="16200000">
+              <a:off x="10167000" y="405916"/>
+              <a:ext cx="810000" cy="813768"/>
+            </a:xfrm>
+            <a:prstGeom prst="rect">
+              <a:avLst/>
+            </a:prstGeom>
+            <a:noFill/>
+            <a:ln w="38100" cap="flat">
+              <a:solidFill>
+                <a:schemeClr val="dk1"/>
+              </a:solidFill>
+              <a:prstDash val="solid"/>
+            </a:ln>
+          </p:spPr>
+          <p:style>
+            <a:lnRef idx="2">
+              <a:schemeClr val="accent1">
+                <a:shade val="20000"/>
+              </a:schemeClr>
+            </a:lnRef>
+            <a:fillRef idx="1">
+              <a:schemeClr val="accent1"/>
+            </a:fillRef>
+            <a:effectRef idx="0">
+              <a:schemeClr val="accent1"/>
+            </a:effectRef>
+            <a:fontRef idx="minor">
+              <a:schemeClr val="lt1"/>
+            </a:fontRef>
+          </p:style>
+          <p:txBody>
+            <a:bodyPr anchor="ctr"/>
+            <a:lstStyle/>
+            <a:p>
+              <a:pPr algn="ctr">
+                <a:defRPr/>
+              </a:pPr>
+              <a:endParaRPr lang="ko-KR" altLang="en-US"/>
+            </a:p>
+          </p:txBody>
+        </p:sp>
+        <p:sp>
+          <p:nvSpPr>
+            <p:cNvPr id="72" name="Oval 71">
+              <a:extLst>
+                <a:ext uri="{FF2B5EF4-FFF2-40B4-BE49-F238E27FC236}">
+                  <a16:creationId xmlns:a16="http://schemas.microsoft.com/office/drawing/2014/main" id="{C6DF629A-6D51-4620-64BF-0C48BEE0744B}"/>
+                </a:ext>
+              </a:extLst>
+            </p:cNvPr>
+            <p:cNvSpPr/>
+            <p:nvPr/>
+          </p:nvSpPr>
+          <p:spPr>
+            <a:xfrm>
+              <a:off x="10421278" y="662078"/>
+              <a:ext cx="301444" cy="301444"/>
+            </a:xfrm>
+            <a:prstGeom prst="ellipse">
+              <a:avLst/>
+            </a:prstGeom>
+            <a:noFill/>
+            <a:ln w="38100">
+              <a:solidFill>
+                <a:schemeClr val="dk1"/>
+              </a:solidFill>
+            </a:ln>
+          </p:spPr>
+          <p:style>
+            <a:lnRef idx="2">
+              <a:schemeClr val="accent1">
+                <a:shade val="20000"/>
+              </a:schemeClr>
+            </a:lnRef>
+            <a:fillRef idx="1">
+              <a:schemeClr val="accent1"/>
+            </a:fillRef>
+            <a:effectRef idx="0">
+              <a:schemeClr val="accent1"/>
+            </a:effectRef>
+            <a:fontRef idx="minor">
+              <a:schemeClr val="lt1"/>
+            </a:fontRef>
+          </p:style>
+          <p:txBody>
+            <a:bodyPr rtlCol="0" anchor="ctr"/>
+            <a:lstStyle/>
+            <a:p>
+              <a:pPr algn="ctr"/>
+              <a:endParaRPr lang="ko-KR" altLang="en-US"/>
+            </a:p>
+          </p:txBody>
+        </p:sp>
+      </p:grpSp>
     </p:spTree>
     <p:extLst>
       <p:ext uri="{BB962C8B-B14F-4D97-AF65-F5344CB8AC3E}">
@@ -17433,41 +17973,41 @@
 </file>
 
 <file path=ppt/theme/theme1.xml><?xml version="1.0" encoding="utf-8"?>
-<a:theme xmlns:r="http://schemas.openxmlformats.org/officeDocument/2006/relationships" xmlns:c="http://schemas.openxmlformats.org/drawingml/2006/chart" xmlns:dgm="http://schemas.openxmlformats.org/drawingml/2006/diagram" xmlns:dsp="http://schemas.microsoft.com/office/drawing/2008/diagram" xmlns:a="http://schemas.openxmlformats.org/drawingml/2006/main" xmlns:pic="http://schemas.openxmlformats.org/drawingml/2006/picture" xmlns:wp="http://schemas.openxmlformats.org/drawingml/2006/wordprocessingDrawing" xmlns:xdr="http://schemas.openxmlformats.org/drawingml/2006/spreadsheetDrawing" xmlns:lc="http://schemas.openxmlformats.org/drawingml/2006/lockedCanvas" xmlns:p="http://schemas.openxmlformats.org/presentationml/2006/main" name="한컴오피스">
+<a:theme xmlns:a="http://schemas.openxmlformats.org/drawingml/2006/main" name="한컴오피스">
   <a:themeElements>
     <a:clrScheme name="한컴오피스">
       <a:dk1>
         <a:sysClr val="windowText" lastClr="000000"/>
       </a:dk1>
       <a:lt1>
-        <a:sysClr val="window" lastClr="ffffff"/>
+        <a:sysClr val="window" lastClr="FFFFFF"/>
       </a:lt1>
       <a:dk2>
-        <a:srgbClr val="3a3c84"/>
+        <a:srgbClr val="3A3C84"/>
       </a:dk2>
       <a:lt2>
-        <a:srgbClr val="faf3db"/>
+        <a:srgbClr val="FAF3DB"/>
       </a:lt2>
       <a:accent1>
-        <a:srgbClr val="6182d6"/>
+        <a:srgbClr val="6182D6"/>
       </a:accent1>
       <a:accent2>
-        <a:srgbClr val="ff843a"/>
+        <a:srgbClr val="FF843A"/>
       </a:accent2>
       <a:accent3>
-        <a:srgbClr val="b2b2b2"/>
+        <a:srgbClr val="B2B2B2"/>
       </a:accent3>
       <a:accent4>
-        <a:srgbClr val="ffd700"/>
+        <a:srgbClr val="FFD700"/>
       </a:accent4>
       <a:accent5>
-        <a:srgbClr val="289b6e"/>
+        <a:srgbClr val="289B6E"/>
       </a:accent5>
       <a:accent6>
-        <a:srgbClr val="9d5cbb"/>
+        <a:srgbClr val="9D5CBB"/>
       </a:accent6>
       <a:hlink>
-        <a:srgbClr val="0000ff"/>
+        <a:srgbClr val="0000FF"/>
       </a:hlink>
       <a:folHlink>
         <a:srgbClr val="800080"/>
@@ -17760,45 +18300,46 @@
       <a:lstStyle/>
     </a:txDef>
   </a:objectDefaults>
+  <a:extraClrSchemeLst/>
 </a:theme>
 </file>
 
 <file path=ppt/theme/theme2.xml><?xml version="1.0" encoding="utf-8"?>
-<a:theme xmlns:r="http://schemas.openxmlformats.org/officeDocument/2006/relationships" xmlns:c="http://schemas.openxmlformats.org/drawingml/2006/chart" xmlns:dgm="http://schemas.openxmlformats.org/drawingml/2006/diagram" xmlns:dsp="http://schemas.microsoft.com/office/drawing/2008/diagram" xmlns:a="http://schemas.openxmlformats.org/drawingml/2006/main" xmlns:pic="http://schemas.openxmlformats.org/drawingml/2006/picture" xmlns:wp="http://schemas.openxmlformats.org/drawingml/2006/wordprocessingDrawing" xmlns:xdr="http://schemas.openxmlformats.org/drawingml/2006/spreadsheetDrawing" xmlns:lc="http://schemas.openxmlformats.org/drawingml/2006/lockedCanvas" xmlns:p="http://schemas.openxmlformats.org/presentationml/2006/main" name="한컴오피스">
+<a:theme xmlns:a="http://schemas.openxmlformats.org/drawingml/2006/main" name="한컴오피스">
   <a:themeElements>
     <a:clrScheme name="한컴오피스">
       <a:dk1>
         <a:sysClr val="windowText" lastClr="000000"/>
       </a:dk1>
       <a:lt1>
-        <a:sysClr val="window" lastClr="ffffff"/>
+        <a:sysClr val="window" lastClr="FFFFFF"/>
       </a:lt1>
       <a:dk2>
-        <a:srgbClr val="3a3c84"/>
+        <a:srgbClr val="3A3C84"/>
       </a:dk2>
       <a:lt2>
-        <a:srgbClr val="faf3db"/>
+        <a:srgbClr val="FAF3DB"/>
       </a:lt2>
       <a:accent1>
-        <a:srgbClr val="6182d6"/>
+        <a:srgbClr val="6182D6"/>
       </a:accent1>
       <a:accent2>
-        <a:srgbClr val="ff843a"/>
+        <a:srgbClr val="FF843A"/>
       </a:accent2>
       <a:accent3>
-        <a:srgbClr val="b2b2b2"/>
+        <a:srgbClr val="B2B2B2"/>
       </a:accent3>
       <a:accent4>
-        <a:srgbClr val="ffd700"/>
+        <a:srgbClr val="FFD700"/>
       </a:accent4>
       <a:accent5>
-        <a:srgbClr val="289b6e"/>
+        <a:srgbClr val="289B6E"/>
       </a:accent5>
       <a:accent6>
-        <a:srgbClr val="9d5cbb"/>
+        <a:srgbClr val="9D5CBB"/>
       </a:accent6>
       <a:hlink>
-        <a:srgbClr val="0000ff"/>
+        <a:srgbClr val="0000FF"/>
       </a:hlink>
       <a:folHlink>
         <a:srgbClr val="800080"/>
@@ -18023,5 +18564,7 @@
       </a:bgFillStyleLst>
     </a:fmtScheme>
   </a:themeElements>
+  <a:objectDefaults/>
+  <a:extraClrSchemeLst/>
 </a:theme>
 </file>